--- a/docs/presentation.pptx
+++ b/docs/presentation.pptx
@@ -5,7 +5,7 @@
     <p:sldMasterId id="2147483648" r:id="rId1"/>
   </p:sldMasterIdLst>
   <p:notesMasterIdLst>
-    <p:notesMasterId r:id="rId45"/>
+    <p:notesMasterId r:id="rId46"/>
   </p:notesMasterIdLst>
   <p:sldIdLst>
     <p:sldId id="256" r:id="rId2"/>
@@ -51,37 +51,38 @@
     <p:sldId id="295" r:id="rId42"/>
     <p:sldId id="296" r:id="rId43"/>
     <p:sldId id="298" r:id="rId44"/>
+    <p:sldId id="299" r:id="rId45"/>
   </p:sldIdLst>
   <p:sldSz cx="18288000" cy="10287000"/>
   <p:notesSz cx="6858000" cy="9144000"/>
   <p:embeddedFontLst>
     <p:embeddedFont>
       <p:font typeface="Fira Code Bold" panose="020B0604020202020204" charset="0"/>
-      <p:regular r:id="rId46"/>
+      <p:regular r:id="rId47"/>
     </p:embeddedFont>
     <p:embeddedFont>
       <p:font typeface="Fira Code Semi-Bold" panose="020B0604020202020204" charset="0"/>
-      <p:regular r:id="rId47"/>
+      <p:regular r:id="rId48"/>
     </p:embeddedFont>
     <p:embeddedFont>
       <p:font typeface="HK Grotesk" panose="020B0604020202020204" charset="0"/>
-      <p:regular r:id="rId48"/>
+      <p:regular r:id="rId49"/>
     </p:embeddedFont>
     <p:embeddedFont>
       <p:font typeface="HK Grotesk Bold" panose="020B0604020202020204" charset="0"/>
-      <p:regular r:id="rId49"/>
+      <p:regular r:id="rId50"/>
     </p:embeddedFont>
     <p:embeddedFont>
       <p:font typeface="HK Grotesk Light" panose="020B0604020202020204" charset="0"/>
-      <p:regular r:id="rId50"/>
+      <p:regular r:id="rId51"/>
     </p:embeddedFont>
     <p:embeddedFont>
       <p:font typeface="HK Grotesk Semi-Bold" panose="020B0604020202020204" charset="0"/>
-      <p:regular r:id="rId51"/>
+      <p:regular r:id="rId52"/>
     </p:embeddedFont>
     <p:embeddedFont>
       <p:font typeface="TAN Headline" panose="020B0604020202020204" charset="0"/>
-      <p:regular r:id="rId52"/>
+      <p:regular r:id="rId53"/>
     </p:embeddedFont>
   </p:embeddedFontLst>
   <p:defaultTextStyle>
@@ -280,7 +281,7 @@
           <a:p>
             <a:fld id="{5DBB2B8C-471E-4DF6-B919-BBBFA6F4471F}" type="datetimeFigureOut">
               <a:rPr lang="it-IT" smtClean="0"/>
-              <a:t>06/06/2024</a:t>
+              <a:t>07/06/2024</a:t>
             </a:fld>
             <a:endParaRPr lang="it-IT"/>
           </a:p>
@@ -727,7 +728,7 @@
             <a:fld id="{1D8BD707-D9CF-40AE-B4C6-C98DA3205C09}" type="datetimeFigureOut">
               <a:rPr lang="en-US" smtClean="0"/>
               <a:pPr/>
-              <a:t>6/6/2024</a:t>
+              <a:t>6/7/2024</a:t>
             </a:fld>
             <a:endParaRPr lang="en-US"/>
           </a:p>
@@ -892,7 +893,7 @@
             <a:fld id="{1D8BD707-D9CF-40AE-B4C6-C98DA3205C09}" type="datetimeFigureOut">
               <a:rPr lang="en-US" smtClean="0"/>
               <a:pPr/>
-              <a:t>6/6/2024</a:t>
+              <a:t>6/7/2024</a:t>
             </a:fld>
             <a:endParaRPr lang="en-US"/>
           </a:p>
@@ -1067,7 +1068,7 @@
             <a:fld id="{1D8BD707-D9CF-40AE-B4C6-C98DA3205C09}" type="datetimeFigureOut">
               <a:rPr lang="en-US" smtClean="0"/>
               <a:pPr/>
-              <a:t>6/6/2024</a:t>
+              <a:t>6/7/2024</a:t>
             </a:fld>
             <a:endParaRPr lang="en-US"/>
           </a:p>
@@ -1232,7 +1233,7 @@
             <a:fld id="{1D8BD707-D9CF-40AE-B4C6-C98DA3205C09}" type="datetimeFigureOut">
               <a:rPr lang="en-US" smtClean="0"/>
               <a:pPr/>
-              <a:t>6/6/2024</a:t>
+              <a:t>6/7/2024</a:t>
             </a:fld>
             <a:endParaRPr lang="en-US"/>
           </a:p>
@@ -1474,7 +1475,7 @@
             <a:fld id="{1D8BD707-D9CF-40AE-B4C6-C98DA3205C09}" type="datetimeFigureOut">
               <a:rPr lang="en-US" smtClean="0"/>
               <a:pPr/>
-              <a:t>6/6/2024</a:t>
+              <a:t>6/7/2024</a:t>
             </a:fld>
             <a:endParaRPr lang="en-US"/>
           </a:p>
@@ -1756,7 +1757,7 @@
             <a:fld id="{1D8BD707-D9CF-40AE-B4C6-C98DA3205C09}" type="datetimeFigureOut">
               <a:rPr lang="en-US" smtClean="0"/>
               <a:pPr/>
-              <a:t>6/6/2024</a:t>
+              <a:t>6/7/2024</a:t>
             </a:fld>
             <a:endParaRPr lang="en-US"/>
           </a:p>
@@ -2172,7 +2173,7 @@
             <a:fld id="{1D8BD707-D9CF-40AE-B4C6-C98DA3205C09}" type="datetimeFigureOut">
               <a:rPr lang="en-US" smtClean="0"/>
               <a:pPr/>
-              <a:t>6/6/2024</a:t>
+              <a:t>6/7/2024</a:t>
             </a:fld>
             <a:endParaRPr lang="en-US"/>
           </a:p>
@@ -2286,7 +2287,7 @@
             <a:fld id="{1D8BD707-D9CF-40AE-B4C6-C98DA3205C09}" type="datetimeFigureOut">
               <a:rPr lang="en-US" smtClean="0"/>
               <a:pPr/>
-              <a:t>6/6/2024</a:t>
+              <a:t>6/7/2024</a:t>
             </a:fld>
             <a:endParaRPr lang="en-US"/>
           </a:p>
@@ -2378,7 +2379,7 @@
             <a:fld id="{1D8BD707-D9CF-40AE-B4C6-C98DA3205C09}" type="datetimeFigureOut">
               <a:rPr lang="en-US" smtClean="0"/>
               <a:pPr/>
-              <a:t>6/6/2024</a:t>
+              <a:t>6/7/2024</a:t>
             </a:fld>
             <a:endParaRPr lang="en-US"/>
           </a:p>
@@ -2650,7 +2651,7 @@
             <a:fld id="{1D8BD707-D9CF-40AE-B4C6-C98DA3205C09}" type="datetimeFigureOut">
               <a:rPr lang="en-US" smtClean="0"/>
               <a:pPr/>
-              <a:t>6/6/2024</a:t>
+              <a:t>6/7/2024</a:t>
             </a:fld>
             <a:endParaRPr lang="en-US"/>
           </a:p>
@@ -2899,7 +2900,7 @@
             <a:fld id="{1D8BD707-D9CF-40AE-B4C6-C98DA3205C09}" type="datetimeFigureOut">
               <a:rPr lang="en-US" smtClean="0"/>
               <a:pPr/>
-              <a:t>6/6/2024</a:t>
+              <a:t>6/7/2024</a:t>
             </a:fld>
             <a:endParaRPr lang="en-US"/>
           </a:p>
@@ -3107,7 +3108,7 @@
             <a:fld id="{1D8BD707-D9CF-40AE-B4C6-C98DA3205C09}" type="datetimeFigureOut">
               <a:rPr lang="en-US" smtClean="0"/>
               <a:pPr/>
-              <a:t>6/6/2024</a:t>
+              <a:t>6/7/2024</a:t>
             </a:fld>
             <a:endParaRPr lang="en-US"/>
           </a:p>
@@ -3488,93 +3489,14 @@
       </p:grpSpPr>
       <p:sp>
         <p:nvSpPr>
-          <p:cNvPr id="2" name="AutoShape 2"/>
-          <p:cNvSpPr/>
-          <p:nvPr/>
-        </p:nvSpPr>
-        <p:spPr>
-          <a:xfrm>
-            <a:off x="-15301" y="1"/>
-            <a:ext cx="6029803" cy="10287000"/>
-          </a:xfrm>
-          <a:prstGeom prst="rect">
-            <a:avLst/>
-          </a:prstGeom>
-          <a:solidFill>
-            <a:srgbClr val="FFFFFF"/>
-          </a:solidFill>
-        </p:spPr>
-        <p:txBody>
-          <a:bodyPr/>
-          <a:lstStyle/>
-          <a:p>
-            <a:endParaRPr lang="it-IT"/>
-          </a:p>
-        </p:txBody>
-      </p:sp>
-      <p:sp>
-        <p:nvSpPr>
-          <p:cNvPr id="3" name="Freeform 3"/>
-          <p:cNvSpPr/>
-          <p:nvPr/>
-        </p:nvSpPr>
-        <p:spPr>
-          <a:xfrm>
-            <a:off x="154816" y="1517136"/>
-            <a:ext cx="5878330" cy="7324035"/>
-          </a:xfrm>
-          <a:custGeom>
-            <a:avLst/>
-            <a:gdLst/>
-            <a:ahLst/>
-            <a:cxnLst/>
-            <a:rect l="l" t="t" r="r" b="b"/>
-            <a:pathLst>
-              <a:path w="7312451" h="10287000">
-                <a:moveTo>
-                  <a:pt x="0" y="0"/>
-                </a:moveTo>
-                <a:lnTo>
-                  <a:pt x="7312451" y="0"/>
-                </a:lnTo>
-                <a:lnTo>
-                  <a:pt x="7312451" y="10287000"/>
-                </a:lnTo>
-                <a:lnTo>
-                  <a:pt x="0" y="10287000"/>
-                </a:lnTo>
-                <a:lnTo>
-                  <a:pt x="0" y="0"/>
-                </a:lnTo>
-                <a:close/>
-              </a:path>
-            </a:pathLst>
-          </a:custGeom>
-          <a:blipFill>
-            <a:blip r:embed="rId2"/>
-            <a:stretch>
-              <a:fillRect l="-7602" r="-11955"/>
-            </a:stretch>
-          </a:blipFill>
-        </p:spPr>
-        <p:txBody>
-          <a:bodyPr/>
-          <a:lstStyle/>
-          <a:p>
-            <a:endParaRPr lang="it-IT"/>
-          </a:p>
-        </p:txBody>
-      </p:sp>
-      <p:sp>
-        <p:nvSpPr>
           <p:cNvPr id="4" name="Freeform 4"/>
           <p:cNvSpPr/>
           <p:nvPr/>
         </p:nvSpPr>
         <p:spPr>
           <a:xfrm>
-            <a:off x="15568541" y="1755482"/>
-            <a:ext cx="2057400" cy="2000599"/>
+            <a:off x="14093848" y="2034408"/>
+            <a:ext cx="1755752" cy="1737492"/>
           </a:xfrm>
           <a:custGeom>
             <a:avLst/>
@@ -3604,10 +3526,10 @@
             </a:pathLst>
           </a:custGeom>
           <a:blipFill>
-            <a:blip r:embed="rId3">
+            <a:blip r:embed="rId2">
               <a:extLst>
                 <a:ext uri="{96DAC541-7B7A-43D3-8B79-37D633B846F1}">
-                  <asvg:svgBlip xmlns:asvg="http://schemas.microsoft.com/office/drawing/2016/SVG/main" r:embed="rId4"/>
+                  <asvg:svgBlip xmlns:asvg="http://schemas.microsoft.com/office/drawing/2016/SVG/main" r:embed="rId3"/>
                 </a:ext>
               </a:extLst>
             </a:blip>
@@ -3620,7 +3542,11 @@
           <a:bodyPr/>
           <a:lstStyle/>
           <a:p>
-            <a:endParaRPr lang="it-IT"/>
+            <a:endParaRPr lang="it-IT">
+              <a:solidFill>
+                <a:srgbClr val="6BC148"/>
+              </a:solidFill>
+            </a:endParaRPr>
           </a:p>
         </p:txBody>
       </p:sp>
@@ -3632,8 +3558,8 @@
         </p:nvSpPr>
         <p:spPr>
           <a:xfrm>
-            <a:off x="7789182" y="3044066"/>
-            <a:ext cx="7222218" cy="1500091"/>
+            <a:off x="6629400" y="2034408"/>
+            <a:ext cx="7620000" cy="1461682"/>
           </a:xfrm>
           <a:prstGeom prst="rect">
             <a:avLst/>
@@ -3653,27 +3579,36 @@
             <a:r>
               <a:rPr lang="en-US" sz="8000" dirty="0">
                 <a:solidFill>
+                  <a:srgbClr val="6BC148"/>
+                </a:solidFill>
+                <a:latin typeface="HK Grotesk Bold" panose="020B0604020202020204" charset="0"/>
+              </a:rPr>
+              <a:t>AES</a:t>
+            </a:r>
+            <a:r>
+              <a:rPr lang="en-US" sz="8000" dirty="0">
+                <a:solidFill>
                   <a:srgbClr val="67DB7D"/>
                 </a:solidFill>
-                <a:latin typeface="HK Grotesk Semi-Bold"/>
-              </a:rPr>
-              <a:t>AES </a:t>
+                <a:latin typeface="HK Grotesk Bold" panose="020B0604020202020204" charset="0"/>
+              </a:rPr>
+              <a:t> </a:t>
             </a:r>
             <a:r>
               <a:rPr lang="en-US" sz="8000" dirty="0" err="1">
                 <a:solidFill>
+                  <a:srgbClr val="6BC148"/>
+                </a:solidFill>
+                <a:latin typeface="HK Grotesk Bold" panose="020B0604020202020204" charset="0"/>
+              </a:rPr>
+              <a:t>Cryptocore</a:t>
+            </a:r>
+            <a:r>
+              <a:rPr lang="en-US" sz="8000" dirty="0">
+                <a:solidFill>
                   <a:srgbClr val="67DB7D"/>
                 </a:solidFill>
-                <a:latin typeface="HK Grotesk Semi-Bold"/>
-              </a:rPr>
-              <a:t>Cryptocore</a:t>
-            </a:r>
-            <a:r>
-              <a:rPr lang="en-US" sz="8000" dirty="0">
-                <a:solidFill>
-                  <a:srgbClr val="67DB7D"/>
-                </a:solidFill>
-                <a:latin typeface="HK Grotesk Semi-Bold"/>
+                <a:latin typeface="HK Grotesk Bold" panose="020B0604020202020204" charset="0"/>
               </a:rPr>
               <a:t> </a:t>
             </a:r>
@@ -3802,8 +3737,8 @@
         </p:nvSpPr>
         <p:spPr>
           <a:xfrm>
-            <a:off x="15284834" y="5940809"/>
-            <a:ext cx="2965877" cy="3604769"/>
+            <a:off x="13243219" y="5974786"/>
+            <a:ext cx="4862649" cy="3604769"/>
           </a:xfrm>
           <a:prstGeom prst="rect">
             <a:avLst/>
@@ -3826,7 +3761,7 @@
                 <a:solidFill>
                   <a:schemeClr val="bg1"/>
                 </a:solidFill>
-                <a:latin typeface="HK Grotesk Light" panose="020B0604020202020204" charset="0"/>
+                <a:latin typeface="HK Grotesk Bold" panose="020B0604020202020204" charset="0"/>
               </a:rPr>
               <a:t>Lecture</a:t>
             </a:r>
@@ -3835,7 +3770,7 @@
                 <a:solidFill>
                   <a:schemeClr val="bg1"/>
                 </a:solidFill>
-                <a:latin typeface="HK Grotesk Light" panose="020B0604020202020204" charset="0"/>
+                <a:latin typeface="HK Grotesk Bold" panose="020B0604020202020204" charset="0"/>
               </a:rPr>
               <a:t> </a:t>
             </a:r>
@@ -3844,7 +3779,7 @@
                 <a:solidFill>
                   <a:schemeClr val="bg1"/>
                 </a:solidFill>
-                <a:latin typeface="HK Grotesk Light" panose="020B0604020202020204" charset="0"/>
+                <a:latin typeface="HK Grotesk Bold" panose="020B0604020202020204" charset="0"/>
               </a:rPr>
               <a:t>prepared</a:t>
             </a:r>
@@ -3853,7 +3788,7 @@
                 <a:solidFill>
                   <a:schemeClr val="bg1"/>
                 </a:solidFill>
-                <a:latin typeface="HK Grotesk Light" panose="020B0604020202020204" charset="0"/>
+                <a:latin typeface="HK Grotesk Bold" panose="020B0604020202020204" charset="0"/>
               </a:rPr>
               <a:t> by:</a:t>
             </a:r>
@@ -3869,7 +3804,7 @@
                 <a:solidFill>
                   <a:schemeClr val="bg1"/>
                 </a:solidFill>
-                <a:latin typeface="HK Grotesk Light" panose="020B0604020202020204" charset="0"/>
+                <a:latin typeface="HK Grotesk Bold" panose="020B0604020202020204" charset="0"/>
               </a:rPr>
               <a:t>Riccardo Carità</a:t>
             </a:r>
@@ -3885,7 +3820,7 @@
                 <a:solidFill>
                   <a:schemeClr val="bg1"/>
                 </a:solidFill>
-                <a:latin typeface="HK Grotesk Light" panose="020B0604020202020204" charset="0"/>
+                <a:latin typeface="HK Grotesk Bold" panose="020B0604020202020204" charset="0"/>
               </a:rPr>
               <a:t>Gianluca Corso</a:t>
             </a:r>
@@ -3901,7 +3836,7 @@
                 <a:solidFill>
                   <a:schemeClr val="bg1"/>
                 </a:solidFill>
-                <a:latin typeface="HK Grotesk Light" panose="020B0604020202020204" charset="0"/>
+                <a:latin typeface="HK Grotesk Bold" panose="020B0604020202020204" charset="0"/>
               </a:rPr>
               <a:t>Riccardo Fusari</a:t>
             </a:r>
@@ -3917,7 +3852,7 @@
                 <a:solidFill>
                   <a:schemeClr val="bg1"/>
                 </a:solidFill>
-                <a:latin typeface="HK Grotesk Light" panose="020B0604020202020204" charset="0"/>
+                <a:latin typeface="HK Grotesk Bold" panose="020B0604020202020204" charset="0"/>
               </a:rPr>
               <a:t>Federico Fruttero</a:t>
             </a:r>
@@ -3930,9 +3865,9 @@
             </a:pPr>
             <a:endParaRPr lang="it-IT" sz="2200" b="1" dirty="0">
               <a:solidFill>
-                <a:srgbClr val="62D077"/>
+                <a:schemeClr val="bg1"/>
               </a:solidFill>
-              <a:latin typeface="HK Grotesk Light" panose="020B0604020202020204" charset="0"/>
+              <a:latin typeface="HK Grotesk Bold" panose="020B0604020202020204" charset="0"/>
             </a:endParaRPr>
           </a:p>
           <a:p>
@@ -3943,9 +3878,9 @@
             </a:pPr>
             <a:endParaRPr lang="it-IT" sz="2200" b="1" dirty="0">
               <a:solidFill>
-                <a:srgbClr val="62D077"/>
+                <a:schemeClr val="bg1"/>
               </a:solidFill>
-              <a:latin typeface="HK Grotesk Light" panose="020B0604020202020204" charset="0"/>
+              <a:latin typeface="HK Grotesk Bold" panose="020B0604020202020204" charset="0"/>
             </a:endParaRPr>
           </a:p>
         </p:txBody>
@@ -3964,22 +3899,21 @@
           </p:cNvPicPr>
           <p:nvPr/>
         </p:nvPicPr>
-        <p:blipFill>
-          <a:blip r:embed="rId5" cstate="print">
+        <p:blipFill rotWithShape="1">
+          <a:blip r:embed="rId4" cstate="print">
             <a:extLst>
               <a:ext uri="{28A0092B-C50C-407E-A947-70E740481C1C}">
                 <a14:useLocalDpi xmlns:a14="http://schemas.microsoft.com/office/drawing/2010/main" val="0"/>
               </a:ext>
             </a:extLst>
           </a:blip>
-          <a:stretch>
-            <a:fillRect/>
-          </a:stretch>
+          <a:srcRect b="8842"/>
+          <a:stretch/>
         </p:blipFill>
         <p:spPr>
           <a:xfrm>
-            <a:off x="37289" y="25392"/>
-            <a:ext cx="3291901" cy="1602200"/>
+            <a:off x="228600" y="84936"/>
+            <a:ext cx="2926201" cy="1298286"/>
           </a:xfrm>
           <a:prstGeom prst="rect">
             <a:avLst/>
@@ -4001,7 +3935,7 @@
           <p:nvPr/>
         </p:nvPicPr>
         <p:blipFill rotWithShape="1">
-          <a:blip r:embed="rId6" cstate="print">
+          <a:blip r:embed="rId5" cstate="print">
             <a:extLst>
               <a:ext uri="{28A0092B-C50C-407E-A947-70E740481C1C}">
                 <a14:useLocalDpi xmlns:a14="http://schemas.microsoft.com/office/drawing/2010/main" val="0"/>
@@ -4013,8 +3947,8 @@
         </p:blipFill>
         <p:spPr>
           <a:xfrm>
-            <a:off x="14317568" y="-15964"/>
-            <a:ext cx="3985733" cy="1500090"/>
+            <a:off x="14582923" y="59540"/>
+            <a:ext cx="3584496" cy="1349078"/>
           </a:xfrm>
           <a:prstGeom prst="rect">
             <a:avLst/>
@@ -4036,7 +3970,7 @@
           <p:nvPr/>
         </p:nvPicPr>
         <p:blipFill>
-          <a:blip r:embed="rId7" cstate="print">
+          <a:blip r:embed="rId6" cstate="print">
             <a:extLst>
               <a:ext uri="{28A0092B-C50C-407E-A947-70E740481C1C}">
                 <a14:useLocalDpi xmlns:a14="http://schemas.microsoft.com/office/drawing/2010/main" val="0"/>
@@ -4049,7 +3983,7 @@
         </p:blipFill>
         <p:spPr>
           <a:xfrm>
-            <a:off x="37289" y="9325880"/>
+            <a:off x="187883" y="9301193"/>
             <a:ext cx="3979389" cy="900871"/>
           </a:xfrm>
           <a:prstGeom prst="rect">
@@ -4072,7 +4006,7 @@
           <p:nvPr/>
         </p:nvPicPr>
         <p:blipFill>
-          <a:blip r:embed="rId8" cstate="print">
+          <a:blip r:embed="rId7" cstate="print">
             <a:extLst>
               <a:ext uri="{28A0092B-C50C-407E-A947-70E740481C1C}">
                 <a14:useLocalDpi xmlns:a14="http://schemas.microsoft.com/office/drawing/2010/main" val="0"/>
@@ -4085,7 +4019,7 @@
         </p:blipFill>
         <p:spPr>
           <a:xfrm>
-            <a:off x="4152649" y="9074407"/>
+            <a:off x="4167272" y="9061917"/>
             <a:ext cx="3552713" cy="1152344"/>
           </a:xfrm>
           <a:prstGeom prst="rect">
@@ -4107,22 +4041,21 @@
           </p:cNvPicPr>
           <p:nvPr/>
         </p:nvPicPr>
-        <p:blipFill>
-          <a:blip r:embed="rId9" cstate="print">
+        <p:blipFill rotWithShape="1">
+          <a:blip r:embed="rId8" cstate="print">
             <a:extLst>
               <a:ext uri="{28A0092B-C50C-407E-A947-70E740481C1C}">
                 <a14:useLocalDpi xmlns:a14="http://schemas.microsoft.com/office/drawing/2010/main" val="0"/>
               </a:ext>
             </a:extLst>
           </a:blip>
-          <a:stretch>
-            <a:fillRect/>
-          </a:stretch>
+          <a:srcRect t="3995" b="5624"/>
+          <a:stretch/>
         </p:blipFill>
         <p:spPr>
           <a:xfrm>
-            <a:off x="7872137" y="8819981"/>
-            <a:ext cx="2965877" cy="1482939"/>
+            <a:off x="7811546" y="8873973"/>
+            <a:ext cx="2965877" cy="1340288"/>
           </a:xfrm>
           <a:prstGeom prst="rect">
             <a:avLst/>
@@ -4144,7 +4077,7 @@
           <p:nvPr/>
         </p:nvPicPr>
         <p:blipFill>
-          <a:blip r:embed="rId10" cstate="print">
+          <a:blip r:embed="rId9" cstate="print">
             <a:extLst>
               <a:ext uri="{28A0092B-C50C-407E-A947-70E740481C1C}">
                 <a14:useLocalDpi xmlns:a14="http://schemas.microsoft.com/office/drawing/2010/main" val="0"/>
@@ -4157,7 +4090,7 @@
         </p:blipFill>
         <p:spPr>
           <a:xfrm>
-            <a:off x="10777423" y="9126586"/>
+            <a:off x="10777423" y="9057551"/>
             <a:ext cx="4074787" cy="1160414"/>
           </a:xfrm>
           <a:prstGeom prst="rect">
@@ -4180,6 +4113,42 @@
           <p:nvPr/>
         </p:nvPicPr>
         <p:blipFill>
+          <a:blip r:embed="rId10">
+            <a:extLst>
+              <a:ext uri="{28A0092B-C50C-407E-A947-70E740481C1C}">
+                <a14:useLocalDpi xmlns:a14="http://schemas.microsoft.com/office/drawing/2010/main" val="0"/>
+              </a:ext>
+            </a:extLst>
+          </a:blip>
+          <a:stretch>
+            <a:fillRect/>
+          </a:stretch>
+        </p:blipFill>
+        <p:spPr>
+          <a:xfrm>
+            <a:off x="14916634" y="9000841"/>
+            <a:ext cx="3306940" cy="1157429"/>
+          </a:xfrm>
+          <a:prstGeom prst="rect">
+            <a:avLst/>
+          </a:prstGeom>
+        </p:spPr>
+      </p:pic>
+      <p:pic>
+        <p:nvPicPr>
+          <p:cNvPr id="6" name="Immagine 5" descr="Immagine che contiene schermata, Elementi grafici, cerchio, Policromia&#10;&#10;Descrizione generata automaticamente">
+            <a:extLst>
+              <a:ext uri="{FF2B5EF4-FFF2-40B4-BE49-F238E27FC236}">
+                <a16:creationId xmlns:a16="http://schemas.microsoft.com/office/drawing/2014/main" id="{1D64B164-2993-3352-94E0-0643F00E00C3}"/>
+              </a:ext>
+            </a:extLst>
+          </p:cNvPr>
+          <p:cNvPicPr>
+            <a:picLocks noChangeAspect="1"/>
+          </p:cNvPicPr>
+          <p:nvPr/>
+        </p:nvPicPr>
+        <p:blipFill>
           <a:blip r:embed="rId11">
             <a:extLst>
               <a:ext uri="{28A0092B-C50C-407E-A947-70E740481C1C}">
@@ -4193,8 +4162,8 @@
         </p:blipFill>
         <p:spPr>
           <a:xfrm>
-            <a:off x="14943771" y="9069322"/>
-            <a:ext cx="3306940" cy="1157429"/>
+            <a:off x="-1143000" y="1265158"/>
+            <a:ext cx="7772400" cy="7772400"/>
           </a:xfrm>
           <a:prstGeom prst="rect">
             <a:avLst/>
@@ -4425,7 +4394,7 @@
         </p:nvSpPr>
         <p:spPr>
           <a:xfrm>
-            <a:off x="766971" y="1028700"/>
+            <a:off x="766971" y="1458717"/>
             <a:ext cx="16754058" cy="7369565"/>
           </a:xfrm>
           <a:custGeom>
@@ -4466,7 +4435,7 @@
           <a:bodyPr/>
           <a:lstStyle/>
           <a:p>
-            <a:endParaRPr lang="it-IT"/>
+            <a:endParaRPr lang="it-IT" dirty="0"/>
           </a:p>
         </p:txBody>
       </p:sp>
@@ -4511,7 +4480,7 @@
         </p:nvSpPr>
         <p:spPr>
           <a:xfrm>
-            <a:off x="1222017" y="920413"/>
+            <a:off x="1222017" y="974556"/>
             <a:ext cx="15843965" cy="8337887"/>
           </a:xfrm>
           <a:custGeom>
@@ -4597,7 +4566,7 @@
         </p:nvSpPr>
         <p:spPr>
           <a:xfrm>
-            <a:off x="1576328" y="1028700"/>
+            <a:off x="1576328" y="931089"/>
             <a:ext cx="15135344" cy="8424822"/>
           </a:xfrm>
           <a:custGeom>
@@ -4952,8 +4921,8 @@
         </p:nvSpPr>
         <p:spPr>
           <a:xfrm>
-            <a:off x="1028700" y="3028950"/>
-            <a:ext cx="16230600" cy="6229350"/>
+            <a:off x="1028700" y="3327705"/>
+            <a:ext cx="16230600" cy="6328656"/>
           </a:xfrm>
           <a:prstGeom prst="rect">
             <a:avLst/>
@@ -5002,7 +4971,39 @@
                 <a:latin typeface="HK Grotesk Semi-Bold"/>
                 <a:ea typeface="HK Grotesk Semi-Bold"/>
               </a:rPr>
-              <a:t>Now </a:t>
+              <a:t>Now validate by clicking on the blue check mark ✓ in Diagram panel, click OK.</a:t>
+            </a:r>
+          </a:p>
+          <a:p>
+            <a:pPr algn="just">
+              <a:lnSpc>
+                <a:spcPts val="3603"/>
+              </a:lnSpc>
+            </a:pPr>
+            <a:r>
+              <a:rPr lang="en-US" sz="3002" dirty="0">
+                <a:solidFill>
+                  <a:srgbClr val="FFFFFF"/>
+                </a:solidFill>
+                <a:latin typeface="HK Grotesk Semi-Bold"/>
+              </a:rPr>
+              <a:t>Now it's time to create the wrapper that will be exported:</a:t>
+            </a:r>
+          </a:p>
+          <a:p>
+            <a:pPr algn="just">
+              <a:lnSpc>
+                <a:spcPts val="3603"/>
+              </a:lnSpc>
+            </a:pPr>
+            <a:r>
+              <a:rPr lang="en-US" sz="3002" dirty="0">
+                <a:solidFill>
+                  <a:srgbClr val="FFFFFF"/>
+                </a:solidFill>
+                <a:latin typeface="HK Grotesk Semi-Bold"/>
+              </a:rPr>
+              <a:t>right click on the core name under the Design Sources section -&gt; Create HDL Wrapper -&gt; Let </a:t>
             </a:r>
             <a:r>
               <a:rPr lang="en-US" sz="3002" dirty="0" err="1">
@@ -5010,9 +5011,8 @@
                   <a:srgbClr val="FFFFFF"/>
                 </a:solidFill>
                 <a:latin typeface="HK Grotesk Semi-Bold"/>
-                <a:ea typeface="HK Grotesk Semi-Bold"/>
-              </a:rPr>
-              <a:t>validateby</a:t>
+              </a:rPr>
+              <a:t>Vivado</a:t>
             </a:r>
             <a:r>
               <a:rPr lang="en-US" sz="3002" dirty="0">
@@ -5020,9 +5020,8 @@
                   <a:srgbClr val="FFFFFF"/>
                 </a:solidFill>
                 <a:latin typeface="HK Grotesk Semi-Bold"/>
-                <a:ea typeface="HK Grotesk Semi-Bold"/>
-              </a:rPr>
-              <a:t> clicking on the blue check mark ✓ in Diagram panel, click OK.</a:t>
+              </a:rPr>
+              <a:t> manage wrapper and auto-update.</a:t>
             </a:r>
           </a:p>
           <a:p>
@@ -5038,7 +5037,7 @@
                 </a:solidFill>
                 <a:latin typeface="HK Grotesk Semi-Bold"/>
               </a:rPr>
-              <a:t>Now it's time to create the wrapper that will be exported:</a:t>
+              <a:t>Now the wrapper should appear in the Design Sources in the Sources panel.</a:t>
             </a:r>
           </a:p>
           <a:p>
@@ -5054,17 +5053,31 @@
                 </a:solidFill>
                 <a:latin typeface="HK Grotesk Semi-Bold"/>
               </a:rPr>
-              <a:t>right click on the core name under the Design Sources section -&gt; Create HDL Wrapper -&gt; Let </a:t>
-            </a:r>
-            <a:r>
-              <a:rPr lang="en-US" sz="3002" dirty="0" err="1">
+              <a:t>Then on the left menu: Generate Bitstream, and OK in "Launch Runs" window.</a:t>
+            </a:r>
+          </a:p>
+          <a:p>
+            <a:pPr algn="just">
+              <a:lnSpc>
+                <a:spcPts val="3603"/>
+              </a:lnSpc>
+            </a:pPr>
+            <a:r>
+              <a:rPr lang="en-US" sz="3002" dirty="0">
                 <a:solidFill>
                   <a:srgbClr val="FFFFFF"/>
                 </a:solidFill>
                 <a:latin typeface="HK Grotesk Semi-Bold"/>
               </a:rPr>
-              <a:t>Vivado</a:t>
-            </a:r>
+              <a:t>Now File &gt; Export &gt; Export Hardware</a:t>
+            </a:r>
+          </a:p>
+          <a:p>
+            <a:pPr algn="just">
+              <a:lnSpc>
+                <a:spcPts val="3603"/>
+              </a:lnSpc>
+            </a:pPr>
             <a:r>
               <a:rPr lang="en-US" sz="3002" dirty="0">
                 <a:solidFill>
@@ -5072,7 +5085,7 @@
                 </a:solidFill>
                 <a:latin typeface="HK Grotesk Semi-Bold"/>
               </a:rPr>
-              <a:t> manage wrapper and auto-update.</a:t>
+              <a:t>In the window "Export Hardware Platform" :</a:t>
             </a:r>
           </a:p>
           <a:p>
@@ -5088,7 +5101,7 @@
                 </a:solidFill>
                 <a:latin typeface="HK Grotesk Semi-Bold"/>
               </a:rPr>
-              <a:t>Now the wrapper should appear in the Design Sources in the Sources panel.</a:t>
+              <a:t>Include bitstream, give the file name for the XSA and a path where to be exported.</a:t>
             </a:r>
           </a:p>
           <a:p>
@@ -5104,125 +5117,16 @@
                 </a:solidFill>
                 <a:latin typeface="HK Grotesk Semi-Bold"/>
               </a:rPr>
-              <a:t>Then on the left menu: Generate Bitstream, and OK in "Launch Runs" window.</a:t>
+              <a:t>Finish.</a:t>
             </a:r>
           </a:p>
           <a:p>
             <a:pPr algn="just">
               <a:lnSpc>
-                <a:spcPts val="3603"/>
-              </a:lnSpc>
-            </a:pPr>
-            <a:r>
-              <a:rPr lang="en-US" sz="3002" dirty="0">
-                <a:solidFill>
-                  <a:srgbClr val="FFFFFF"/>
-                </a:solidFill>
-                <a:latin typeface="HK Grotesk Semi-Bold"/>
-              </a:rPr>
-              <a:t>Now File &gt; Export &gt; Export Hardware</a:t>
-            </a:r>
-          </a:p>
-          <a:p>
-            <a:pPr algn="just">
-              <a:lnSpc>
-                <a:spcPts val="3603"/>
-              </a:lnSpc>
-            </a:pPr>
-            <a:r>
-              <a:rPr lang="en-US" sz="3002" dirty="0">
-                <a:solidFill>
-                  <a:srgbClr val="FFFFFF"/>
-                </a:solidFill>
-                <a:latin typeface="HK Grotesk Semi-Bold"/>
-              </a:rPr>
-              <a:t>In the window "Export Hardware Platform" :</a:t>
-            </a:r>
-          </a:p>
-          <a:p>
-            <a:pPr algn="just">
-              <a:lnSpc>
-                <a:spcPts val="3603"/>
-              </a:lnSpc>
-            </a:pPr>
-            <a:r>
-              <a:rPr lang="en-US" sz="3002" dirty="0">
-                <a:solidFill>
-                  <a:srgbClr val="FFFFFF"/>
-                </a:solidFill>
-                <a:latin typeface="HK Grotesk Semi-Bold"/>
-              </a:rPr>
-              <a:t>Include bitstream, give the file name for the XSA and a path where to be exported.</a:t>
-            </a:r>
-          </a:p>
-          <a:p>
-            <a:pPr algn="just">
-              <a:lnSpc>
-                <a:spcPts val="3603"/>
-              </a:lnSpc>
-            </a:pPr>
-            <a:r>
-              <a:rPr lang="en-US" sz="3002" dirty="0">
-                <a:solidFill>
-                  <a:srgbClr val="FFFFFF"/>
-                </a:solidFill>
-                <a:latin typeface="HK Grotesk Semi-Bold"/>
-              </a:rPr>
-              <a:t>Finish.</a:t>
-            </a:r>
-          </a:p>
-          <a:p>
-            <a:pPr algn="just">
-              <a:lnSpc>
                 <a:spcPts val="2220"/>
               </a:lnSpc>
             </a:pPr>
             <a:endParaRPr lang="en-US" sz="3002" dirty="0">
-              <a:solidFill>
-                <a:srgbClr val="FFFFFF"/>
-              </a:solidFill>
-              <a:latin typeface="HK Grotesk Semi-Bold"/>
-              <a:hlinkClick r:id="rId2" tooltip="https://github.com/emness-gr2/aes-cryptocore-driver/blob/main/docs/coreguide.md#core-instantiation-in-the-interface"/>
-            </a:endParaRPr>
-          </a:p>
-        </p:txBody>
-      </p:sp>
-      <p:sp>
-        <p:nvSpPr>
-          <p:cNvPr id="3" name="TextBox 3"/>
-          <p:cNvSpPr txBox="1"/>
-          <p:nvPr/>
-        </p:nvSpPr>
-        <p:spPr>
-          <a:xfrm>
-            <a:off x="1028700" y="2418777"/>
-            <a:ext cx="12839700" cy="883768"/>
-          </a:xfrm>
-          <a:prstGeom prst="rect">
-            <a:avLst/>
-          </a:prstGeom>
-        </p:spPr>
-        <p:txBody>
-          <a:bodyPr wrap="square" lIns="0" tIns="0" rIns="0" bIns="0" rtlCol="0" anchor="t">
-            <a:spAutoFit/>
-          </a:bodyPr>
-          <a:lstStyle/>
-          <a:p>
-            <a:pPr algn="ctr">
-              <a:lnSpc>
-                <a:spcPts val="6872"/>
-              </a:lnSpc>
-            </a:pPr>
-            <a:r>
-              <a:rPr lang="en-US" sz="5726" dirty="0">
-                <a:solidFill>
-                  <a:srgbClr val="FFFFFF"/>
-                </a:solidFill>
-                <a:latin typeface="HK Grotesk Semi-Bold"/>
-              </a:rPr>
-              <a:t>Review, package, block design, wrapper</a:t>
-            </a:r>
-            <a:endParaRPr lang="en-US" sz="5726" dirty="0">
               <a:solidFill>
                 <a:srgbClr val="FFFFFF"/>
               </a:solidFill>
@@ -5295,6 +5199,57 @@
           <a:lstStyle/>
           <a:p>
             <a:endParaRPr lang="it-IT"/>
+          </a:p>
+        </p:txBody>
+      </p:sp>
+      <p:sp>
+        <p:nvSpPr>
+          <p:cNvPr id="6" name="TextBox 3">
+            <a:extLst>
+              <a:ext uri="{FF2B5EF4-FFF2-40B4-BE49-F238E27FC236}">
+                <a16:creationId xmlns:a16="http://schemas.microsoft.com/office/drawing/2014/main" id="{8FB374C9-9484-AECB-C762-FF418F928CE2}"/>
+              </a:ext>
+            </a:extLst>
+          </p:cNvPr>
+          <p:cNvSpPr txBox="1"/>
+          <p:nvPr/>
+        </p:nvSpPr>
+        <p:spPr>
+          <a:xfrm>
+            <a:off x="998220" y="2529976"/>
+            <a:ext cx="12839700" cy="883768"/>
+          </a:xfrm>
+          <a:prstGeom prst="rect">
+            <a:avLst/>
+          </a:prstGeom>
+        </p:spPr>
+        <p:txBody>
+          <a:bodyPr wrap="square" lIns="0" tIns="0" rIns="0" bIns="0" rtlCol="0" anchor="t">
+            <a:spAutoFit/>
+          </a:bodyPr>
+          <a:lstStyle/>
+          <a:p>
+            <a:pPr algn="ctr">
+              <a:lnSpc>
+                <a:spcPts val="6872"/>
+              </a:lnSpc>
+            </a:pPr>
+            <a:r>
+              <a:rPr lang="en-US" sz="5726" dirty="0">
+                <a:solidFill>
+                  <a:srgbClr val="FFFFFF"/>
+                </a:solidFill>
+                <a:latin typeface="HK Grotesk Semi-Bold"/>
+              </a:rPr>
+              <a:t>Review, package, block design, wrapper</a:t>
+            </a:r>
+            <a:endParaRPr lang="en-US" sz="5726" dirty="0">
+              <a:solidFill>
+                <a:srgbClr val="FFFFFF"/>
+              </a:solidFill>
+              <a:latin typeface="HK Grotesk Semi-Bold"/>
+              <a:hlinkClick r:id="rId2" tooltip="https://github.com/emness-gr2/aes-cryptocore-driver/blob/main/docs/coreguide.md#core-instantiation-in-the-interface"/>
+            </a:endParaRPr>
           </a:p>
         </p:txBody>
       </p:sp>
@@ -5796,8 +5751,8 @@
         </p:nvSpPr>
         <p:spPr>
           <a:xfrm>
-            <a:off x="0" y="731044"/>
-            <a:ext cx="18767179" cy="1462088"/>
+            <a:off x="1" y="731044"/>
+            <a:ext cx="18288000" cy="1462088"/>
           </a:xfrm>
           <a:prstGeom prst="rect">
             <a:avLst/>
@@ -5978,13 +5933,49 @@
               <a:buChar char="•"/>
             </a:pPr>
             <a:r>
-              <a:rPr lang="en-US" sz="3373">
+              <a:rPr lang="en-US" sz="3373" dirty="0">
                 <a:solidFill>
                   <a:srgbClr val="FFFFFF"/>
                 </a:solidFill>
                 <a:latin typeface="HK Grotesk"/>
               </a:rPr>
-              <a:t>On the left menu, in src, then helloworld.c, read the code generated by Vitis.</a:t>
+              <a:t>On the left menu, in </a:t>
+            </a:r>
+            <a:r>
+              <a:rPr lang="en-US" sz="3373" dirty="0" err="1">
+                <a:solidFill>
+                  <a:srgbClr val="FFFFFF"/>
+                </a:solidFill>
+                <a:latin typeface="HK Grotesk"/>
+              </a:rPr>
+              <a:t>src</a:t>
+            </a:r>
+            <a:r>
+              <a:rPr lang="en-US" sz="3373" dirty="0">
+                <a:solidFill>
+                  <a:srgbClr val="FFFFFF"/>
+                </a:solidFill>
+                <a:latin typeface="HK Grotesk"/>
+              </a:rPr>
+              <a:t>, then </a:t>
+            </a:r>
+            <a:r>
+              <a:rPr lang="en-US" sz="3373" dirty="0" err="1">
+                <a:solidFill>
+                  <a:srgbClr val="FFFFFF"/>
+                </a:solidFill>
+                <a:latin typeface="HK Grotesk"/>
+              </a:rPr>
+              <a:t>helloworld.c</a:t>
+            </a:r>
+            <a:r>
+              <a:rPr lang="en-US" sz="3373" dirty="0">
+                <a:solidFill>
+                  <a:srgbClr val="FFFFFF"/>
+                </a:solidFill>
+                <a:latin typeface="HK Grotesk"/>
+              </a:rPr>
+              <a:t>, read the code generated by Vitis.</a:t>
             </a:r>
           </a:p>
           <a:p>
@@ -5996,13 +5987,85 @@
               <a:buChar char="•"/>
             </a:pPr>
             <a:r>
-              <a:rPr lang="en-US" sz="3373">
+              <a:rPr lang="en-US" sz="3373" dirty="0">
                 <a:solidFill>
                   <a:srgbClr val="FFFFFF"/>
                 </a:solidFill>
                 <a:latin typeface="HK Grotesk"/>
               </a:rPr>
-              <a:t>On the left menu, in hw, drivers, &lt;your ip name&gt;, src open the &lt;your ip name&gt;.h file and verify the generation of the correct offset constants for the address management. By scrolling down in the code, there are the methods for writing registers and reading registers, that can be used for our purposes.</a:t>
+              <a:t>On the left menu, in </a:t>
+            </a:r>
+            <a:r>
+              <a:rPr lang="en-US" sz="3373" dirty="0" err="1">
+                <a:solidFill>
+                  <a:srgbClr val="FFFFFF"/>
+                </a:solidFill>
+                <a:latin typeface="HK Grotesk"/>
+              </a:rPr>
+              <a:t>hw</a:t>
+            </a:r>
+            <a:r>
+              <a:rPr lang="en-US" sz="3373" dirty="0">
+                <a:solidFill>
+                  <a:srgbClr val="FFFFFF"/>
+                </a:solidFill>
+                <a:latin typeface="HK Grotesk"/>
+              </a:rPr>
+              <a:t>, drivers, &lt;your </a:t>
+            </a:r>
+            <a:r>
+              <a:rPr lang="en-US" sz="3373" dirty="0" err="1">
+                <a:solidFill>
+                  <a:srgbClr val="FFFFFF"/>
+                </a:solidFill>
+                <a:latin typeface="HK Grotesk"/>
+              </a:rPr>
+              <a:t>ip</a:t>
+            </a:r>
+            <a:r>
+              <a:rPr lang="en-US" sz="3373" dirty="0">
+                <a:solidFill>
+                  <a:srgbClr val="FFFFFF"/>
+                </a:solidFill>
+                <a:latin typeface="HK Grotesk"/>
+              </a:rPr>
+              <a:t> name&gt;, </a:t>
+            </a:r>
+            <a:r>
+              <a:rPr lang="en-US" sz="3373" dirty="0" err="1">
+                <a:solidFill>
+                  <a:srgbClr val="FFFFFF"/>
+                </a:solidFill>
+                <a:latin typeface="HK Grotesk"/>
+              </a:rPr>
+              <a:t>src</a:t>
+            </a:r>
+            <a:r>
+              <a:rPr lang="en-US" sz="3373" dirty="0">
+                <a:solidFill>
+                  <a:srgbClr val="FFFFFF"/>
+                </a:solidFill>
+                <a:latin typeface="HK Grotesk"/>
+              </a:rPr>
+              <a:t> open the &lt;your </a:t>
+            </a:r>
+            <a:r>
+              <a:rPr lang="en-US" sz="3373" dirty="0" err="1">
+                <a:solidFill>
+                  <a:srgbClr val="FFFFFF"/>
+                </a:solidFill>
+                <a:latin typeface="HK Grotesk"/>
+              </a:rPr>
+              <a:t>ip</a:t>
+            </a:r>
+            <a:r>
+              <a:rPr lang="en-US" sz="3373" dirty="0">
+                <a:solidFill>
+                  <a:srgbClr val="FFFFFF"/>
+                </a:solidFill>
+                <a:latin typeface="HK Grotesk"/>
+              </a:rPr>
+              <a:t> name&gt;.h file and verify the generation of the correct offset constants for the address management. By scrolling down in the code, there are the methods for writing registers and reading registers, that can be used for our purposes.</a:t>
             </a:r>
           </a:p>
           <a:p>
@@ -6014,7 +6077,7 @@
               <a:buChar char="•"/>
             </a:pPr>
             <a:r>
-              <a:rPr lang="en-US" sz="3373">
+              <a:rPr lang="en-US" sz="3373" dirty="0">
                 <a:solidFill>
                   <a:srgbClr val="FFFFFF"/>
                 </a:solidFill>
@@ -6029,7 +6092,7 @@
                 <a:spcPts val="2677"/>
               </a:lnSpc>
             </a:pPr>
-            <a:endParaRPr lang="en-US" sz="3373">
+            <a:endParaRPr lang="en-US" sz="3373" dirty="0">
               <a:solidFill>
                 <a:srgbClr val="FFFFFF"/>
               </a:solidFill>
@@ -6042,7 +6105,7 @@
                 <a:spcPts val="2677"/>
               </a:lnSpc>
             </a:pPr>
-            <a:endParaRPr lang="en-US" sz="3373">
+            <a:endParaRPr lang="en-US" sz="3373" dirty="0">
               <a:solidFill>
                 <a:srgbClr val="FFFFFF"/>
               </a:solidFill>
@@ -6055,7 +6118,7 @@
                 <a:spcPts val="2677"/>
               </a:lnSpc>
             </a:pPr>
-            <a:endParaRPr lang="en-US" sz="3373">
+            <a:endParaRPr lang="en-US" sz="3373" dirty="0">
               <a:solidFill>
                 <a:srgbClr val="FFFFFF"/>
               </a:solidFill>
@@ -6068,7 +6131,7 @@
                 <a:spcPts val="2677"/>
               </a:lnSpc>
             </a:pPr>
-            <a:endParaRPr lang="en-US" sz="3373">
+            <a:endParaRPr lang="en-US" sz="3373" dirty="0">
               <a:solidFill>
                 <a:srgbClr val="FFFFFF"/>
               </a:solidFill>
@@ -6081,7 +6144,7 @@
                 <a:spcPts val="2677"/>
               </a:lnSpc>
             </a:pPr>
-            <a:endParaRPr lang="en-US" sz="3373">
+            <a:endParaRPr lang="en-US" sz="3373" dirty="0">
               <a:solidFill>
                 <a:srgbClr val="FFFFFF"/>
               </a:solidFill>
@@ -6094,7 +6157,7 @@
                 <a:spcPts val="2677"/>
               </a:lnSpc>
             </a:pPr>
-            <a:endParaRPr lang="en-US" sz="3373">
+            <a:endParaRPr lang="en-US" sz="3373" dirty="0">
               <a:solidFill>
                 <a:srgbClr val="FFFFFF"/>
               </a:solidFill>
@@ -6168,13 +6231,31 @@
               </a:lnSpc>
             </a:pPr>
             <a:r>
-              <a:rPr lang="en-US" sz="2979">
+              <a:rPr lang="en-US" sz="2979" dirty="0">
                 <a:solidFill>
                   <a:srgbClr val="F6F6F6"/>
                 </a:solidFill>
                 <a:latin typeface="Fira Code Bold"/>
               </a:rPr>
-              <a:t>#include "platform.h"</a:t>
+              <a:t>#include "</a:t>
+            </a:r>
+            <a:r>
+              <a:rPr lang="en-US" sz="2979" dirty="0" err="1">
+                <a:solidFill>
+                  <a:srgbClr val="F6F6F6"/>
+                </a:solidFill>
+                <a:latin typeface="Fira Code Bold"/>
+              </a:rPr>
+              <a:t>platform.h</a:t>
+            </a:r>
+            <a:r>
+              <a:rPr lang="en-US" sz="2979" dirty="0">
+                <a:solidFill>
+                  <a:srgbClr val="F6F6F6"/>
+                </a:solidFill>
+                <a:latin typeface="Fira Code Bold"/>
+              </a:rPr>
+              <a:t>"</a:t>
             </a:r>
           </a:p>
           <a:p>
@@ -6184,13 +6265,31 @@
               </a:lnSpc>
             </a:pPr>
             <a:r>
-              <a:rPr lang="en-US" sz="2979">
+              <a:rPr lang="en-US" sz="2979" dirty="0">
                 <a:solidFill>
                   <a:srgbClr val="F6F6F6"/>
                 </a:solidFill>
                 <a:latin typeface="Fira Code Bold"/>
               </a:rPr>
-              <a:t>#include "xil_io.h"</a:t>
+              <a:t>#include "</a:t>
+            </a:r>
+            <a:r>
+              <a:rPr lang="en-US" sz="2979" dirty="0" err="1">
+                <a:solidFill>
+                  <a:srgbClr val="F6F6F6"/>
+                </a:solidFill>
+                <a:latin typeface="Fira Code Bold"/>
+              </a:rPr>
+              <a:t>xil_io.h</a:t>
+            </a:r>
+            <a:r>
+              <a:rPr lang="en-US" sz="2979" dirty="0">
+                <a:solidFill>
+                  <a:srgbClr val="F6F6F6"/>
+                </a:solidFill>
+                <a:latin typeface="Fira Code Bold"/>
+              </a:rPr>
+              <a:t>"</a:t>
             </a:r>
           </a:p>
           <a:p>
@@ -6200,13 +6299,31 @@
               </a:lnSpc>
             </a:pPr>
             <a:r>
-              <a:rPr lang="en-US" sz="2979">
+              <a:rPr lang="en-US" sz="2979" dirty="0">
                 <a:solidFill>
                   <a:srgbClr val="F6F6F6"/>
                 </a:solidFill>
                 <a:latin typeface="Fira Code Bold"/>
               </a:rPr>
-              <a:t>#include "&lt;your ipname&gt;.h""</a:t>
+              <a:t>#include "&lt;your </a:t>
+            </a:r>
+            <a:r>
+              <a:rPr lang="en-US" sz="2979" dirty="0" err="1">
+                <a:solidFill>
+                  <a:srgbClr val="F6F6F6"/>
+                </a:solidFill>
+                <a:latin typeface="Fira Code Bold"/>
+              </a:rPr>
+              <a:t>ipname</a:t>
+            </a:r>
+            <a:r>
+              <a:rPr lang="en-US" sz="2979" dirty="0">
+                <a:solidFill>
+                  <a:srgbClr val="F6F6F6"/>
+                </a:solidFill>
+                <a:latin typeface="Fira Code Bold"/>
+              </a:rPr>
+              <a:t>&gt;.h""</a:t>
             </a:r>
           </a:p>
           <a:p>
@@ -6216,13 +6333,31 @@
               </a:lnSpc>
             </a:pPr>
             <a:r>
-              <a:rPr lang="en-US" sz="2979">
+              <a:rPr lang="en-US" sz="2979" dirty="0">
                 <a:solidFill>
                   <a:srgbClr val="F6F6F6"/>
                 </a:solidFill>
                 <a:latin typeface="Fira Code Bold"/>
               </a:rPr>
-              <a:t>#include "xparameters.h"</a:t>
+              <a:t>#include "</a:t>
+            </a:r>
+            <a:r>
+              <a:rPr lang="en-US" sz="2979" dirty="0" err="1">
+                <a:solidFill>
+                  <a:srgbClr val="F6F6F6"/>
+                </a:solidFill>
+                <a:latin typeface="Fira Code Bold"/>
+              </a:rPr>
+              <a:t>xparameters.h</a:t>
+            </a:r>
+            <a:r>
+              <a:rPr lang="en-US" sz="2979" dirty="0">
+                <a:solidFill>
+                  <a:srgbClr val="F6F6F6"/>
+                </a:solidFill>
+                <a:latin typeface="Fira Code Bold"/>
+              </a:rPr>
+              <a:t>"</a:t>
             </a:r>
           </a:p>
           <a:p>
@@ -6234,7 +6369,7 @@
                 <a:spcPct val="0"/>
               </a:spcBef>
             </a:pPr>
-            <a:endParaRPr lang="en-US" sz="2979">
+            <a:endParaRPr lang="en-US" sz="2979" dirty="0">
               <a:solidFill>
                 <a:srgbClr val="F6F6F6"/>
               </a:solidFill>
@@ -6284,8 +6419,8 @@
         </p:nvSpPr>
         <p:spPr>
           <a:xfrm>
-            <a:off x="198065" y="748589"/>
-            <a:ext cx="18089935" cy="1462088"/>
+            <a:off x="0" y="810733"/>
+            <a:ext cx="18288000" cy="1462088"/>
           </a:xfrm>
           <a:prstGeom prst="rect">
             <a:avLst/>
@@ -6295,59 +6430,6 @@
               <a:alpha val="34902"/>
             </a:srgbClr>
           </a:solidFill>
-        </p:spPr>
-        <p:txBody>
-          <a:bodyPr/>
-          <a:lstStyle/>
-          <a:p>
-            <a:endParaRPr lang="it-IT"/>
-          </a:p>
-        </p:txBody>
-      </p:sp>
-      <p:sp>
-        <p:nvSpPr>
-          <p:cNvPr id="3" name="Freeform 3"/>
-          <p:cNvSpPr/>
-          <p:nvPr/>
-        </p:nvSpPr>
-        <p:spPr>
-          <a:xfrm>
-            <a:off x="10161897" y="3676439"/>
-            <a:ext cx="1591388" cy="1467061"/>
-          </a:xfrm>
-          <a:custGeom>
-            <a:avLst/>
-            <a:gdLst/>
-            <a:ahLst/>
-            <a:cxnLst/>
-            <a:rect l="l" t="t" r="r" b="b"/>
-            <a:pathLst>
-              <a:path w="1591388" h="1467061">
-                <a:moveTo>
-                  <a:pt x="0" y="0"/>
-                </a:moveTo>
-                <a:lnTo>
-                  <a:pt x="1591388" y="0"/>
-                </a:lnTo>
-                <a:lnTo>
-                  <a:pt x="1591388" y="1467061"/>
-                </a:lnTo>
-                <a:lnTo>
-                  <a:pt x="0" y="1467061"/>
-                </a:lnTo>
-                <a:lnTo>
-                  <a:pt x="0" y="0"/>
-                </a:lnTo>
-                <a:close/>
-              </a:path>
-            </a:pathLst>
-          </a:custGeom>
-          <a:blipFill>
-            <a:blip r:embed="rId2"/>
-            <a:stretch>
-              <a:fillRect/>
-            </a:stretch>
-          </a:blipFill>
         </p:spPr>
         <p:txBody>
           <a:bodyPr/>
@@ -6457,7 +6539,7 @@
             <a:bodyPr/>
             <a:lstStyle/>
             <a:p>
-              <a:endParaRPr lang="it-IT"/>
+              <a:endParaRPr lang="it-IT" dirty="0"/>
             </a:p>
           </p:txBody>
         </p:sp>
@@ -6549,7 +6631,7 @@
         </p:nvSpPr>
         <p:spPr>
           <a:xfrm>
-            <a:off x="1312499" y="2858377"/>
+            <a:off x="1227098" y="2821388"/>
             <a:ext cx="15833801" cy="5257800"/>
           </a:xfrm>
           <a:prstGeom prst="rect">
@@ -6778,7 +6860,7 @@
               </a:spcBef>
             </a:pPr>
             <a:r>
-              <a:rPr lang="en-US" sz="5726">
+              <a:rPr lang="en-US" sz="5726" dirty="0">
                 <a:solidFill>
                   <a:srgbClr val="FFFFFF"/>
                 </a:solidFill>
@@ -6846,6 +6928,94 @@
           </a:p>
         </p:txBody>
       </p:sp>
+      <p:sp>
+        <p:nvSpPr>
+          <p:cNvPr id="3" name="Rettangolo 2">
+            <a:extLst>
+              <a:ext uri="{FF2B5EF4-FFF2-40B4-BE49-F238E27FC236}">
+                <a16:creationId xmlns:a16="http://schemas.microsoft.com/office/drawing/2014/main" id="{57EAD39D-D4D0-3A53-9293-A0D4A097ED2A}"/>
+              </a:ext>
+            </a:extLst>
+          </p:cNvPr>
+          <p:cNvSpPr/>
+          <p:nvPr/>
+        </p:nvSpPr>
+        <p:spPr>
+          <a:xfrm>
+            <a:off x="10000888" y="3714398"/>
+            <a:ext cx="830407" cy="774145"/>
+          </a:xfrm>
+          <a:prstGeom prst="rect">
+            <a:avLst/>
+          </a:prstGeom>
+          <a:solidFill>
+            <a:schemeClr val="bg1"/>
+          </a:solidFill>
+          <a:ln>
+            <a:noFill/>
+          </a:ln>
+        </p:spPr>
+        <p:style>
+          <a:lnRef idx="2">
+            <a:schemeClr val="accent1">
+              <a:shade val="15000"/>
+            </a:schemeClr>
+          </a:lnRef>
+          <a:fillRef idx="1">
+            <a:schemeClr val="accent1"/>
+          </a:fillRef>
+          <a:effectRef idx="0">
+            <a:schemeClr val="accent1"/>
+          </a:effectRef>
+          <a:fontRef idx="minor">
+            <a:schemeClr val="lt1"/>
+          </a:fontRef>
+        </p:style>
+        <p:txBody>
+          <a:bodyPr rtlCol="0" anchor="ctr"/>
+          <a:lstStyle/>
+          <a:p>
+            <a:pPr algn="ctr"/>
+            <a:endParaRPr lang="it-IT"/>
+          </a:p>
+        </p:txBody>
+      </p:sp>
+      <p:pic>
+        <p:nvPicPr>
+          <p:cNvPr id="12" name="Immagine 11" descr="Immagine che contiene strumento, martello, utensile manuale&#10;&#10;Descrizione generata automaticamente">
+            <a:extLst>
+              <a:ext uri="{FF2B5EF4-FFF2-40B4-BE49-F238E27FC236}">
+                <a16:creationId xmlns:a16="http://schemas.microsoft.com/office/drawing/2014/main" id="{32C72DDE-3988-F961-0BAF-A6DDB0FBD759}"/>
+              </a:ext>
+            </a:extLst>
+          </p:cNvPr>
+          <p:cNvPicPr>
+            <a:picLocks noChangeAspect="1"/>
+          </p:cNvPicPr>
+          <p:nvPr/>
+        </p:nvPicPr>
+        <p:blipFill>
+          <a:blip r:embed="rId2" cstate="print">
+            <a:extLst>
+              <a:ext uri="{28A0092B-C50C-407E-A947-70E740481C1C}">
+                <a14:useLocalDpi xmlns:a14="http://schemas.microsoft.com/office/drawing/2010/main" val="0"/>
+              </a:ext>
+            </a:extLst>
+          </a:blip>
+          <a:stretch>
+            <a:fillRect/>
+          </a:stretch>
+        </p:blipFill>
+        <p:spPr>
+          <a:xfrm>
+            <a:off x="10111291" y="3796670"/>
+            <a:ext cx="609600" cy="609600"/>
+          </a:xfrm>
+          <a:prstGeom prst="rect">
+            <a:avLst/>
+          </a:prstGeom>
+        </p:spPr>
+      </p:pic>
     </p:spTree>
   </p:cSld>
   <p:clrMapOvr>
@@ -7422,7 +7592,26 @@
                 </a:solidFill>
                 <a:latin typeface="HK Grotesk Semi-Bold" panose="020B0604020202020204" charset="0"/>
               </a:rPr>
-              <a:t> (https://github.com/Karrick99)</a:t>
+              <a:t> (</a:t>
+            </a:r>
+            <a:r>
+              <a:rPr lang="en-US" sz="2800" dirty="0">
+                <a:solidFill>
+                  <a:schemeClr val="bg1"/>
+                </a:solidFill>
+                <a:latin typeface="HK Grotesk Semi-Bold" panose="020B0604020202020204" charset="0"/>
+                <a:hlinkClick r:id="rId2"/>
+              </a:rPr>
+              <a:t>https://github.com/Karrick99</a:t>
+            </a:r>
+            <a:r>
+              <a:rPr lang="en-US" sz="2800" dirty="0">
+                <a:solidFill>
+                  <a:schemeClr val="bg1"/>
+                </a:solidFill>
+                <a:latin typeface="HK Grotesk Semi-Bold" panose="020B0604020202020204" charset="0"/>
+              </a:rPr>
+              <a:t>)</a:t>
             </a:r>
           </a:p>
           <a:p>
@@ -7440,7 +7629,26 @@
                 </a:solidFill>
                 <a:latin typeface="HK Grotesk Semi-Bold" panose="020B0604020202020204" charset="0"/>
               </a:rPr>
-              <a:t>Gianluca Corso (https://github.com/gianluc99)</a:t>
+              <a:t>Gianluca Corso (</a:t>
+            </a:r>
+            <a:r>
+              <a:rPr lang="en-US" sz="2800" dirty="0">
+                <a:solidFill>
+                  <a:schemeClr val="bg1"/>
+                </a:solidFill>
+                <a:latin typeface="HK Grotesk Semi-Bold" panose="020B0604020202020204" charset="0"/>
+                <a:hlinkClick r:id="rId3"/>
+              </a:rPr>
+              <a:t>https://github.com/gianluc99</a:t>
+            </a:r>
+            <a:r>
+              <a:rPr lang="en-US" sz="2800" dirty="0">
+                <a:solidFill>
+                  <a:schemeClr val="bg1"/>
+                </a:solidFill>
+                <a:latin typeface="HK Grotesk Semi-Bold" panose="020B0604020202020204" charset="0"/>
+              </a:rPr>
+              <a:t>)</a:t>
             </a:r>
           </a:p>
           <a:p>
@@ -7476,7 +7684,26 @@
                 </a:solidFill>
                 <a:latin typeface="HK Grotesk Semi-Bold" panose="020B0604020202020204" charset="0"/>
               </a:rPr>
-              <a:t> (https://github.com/riccardofusari)</a:t>
+              <a:t> (</a:t>
+            </a:r>
+            <a:r>
+              <a:rPr lang="en-US" sz="2800" dirty="0">
+                <a:solidFill>
+                  <a:schemeClr val="bg1"/>
+                </a:solidFill>
+                <a:latin typeface="HK Grotesk Semi-Bold" panose="020B0604020202020204" charset="0"/>
+                <a:hlinkClick r:id="rId4"/>
+              </a:rPr>
+              <a:t>https://github.com/riccardofusari</a:t>
+            </a:r>
+            <a:r>
+              <a:rPr lang="en-US" sz="2800" dirty="0">
+                <a:solidFill>
+                  <a:schemeClr val="bg1"/>
+                </a:solidFill>
+                <a:latin typeface="HK Grotesk Semi-Bold" panose="020B0604020202020204" charset="0"/>
+              </a:rPr>
+              <a:t>)</a:t>
             </a:r>
           </a:p>
           <a:p>
@@ -7512,7 +7739,26 @@
                 </a:solidFill>
                 <a:latin typeface="HK Grotesk Semi-Bold" panose="020B0604020202020204" charset="0"/>
               </a:rPr>
-              <a:t> (https://github.com/fedefruttero)</a:t>
+              <a:t> (</a:t>
+            </a:r>
+            <a:r>
+              <a:rPr lang="en-US" sz="2800" dirty="0">
+                <a:solidFill>
+                  <a:schemeClr val="bg1"/>
+                </a:solidFill>
+                <a:latin typeface="HK Grotesk Semi-Bold" panose="020B0604020202020204" charset="0"/>
+                <a:hlinkClick r:id="rId5"/>
+              </a:rPr>
+              <a:t>https://github.com/fedefruttero</a:t>
+            </a:r>
+            <a:r>
+              <a:rPr lang="en-US" sz="2800" dirty="0">
+                <a:solidFill>
+                  <a:schemeClr val="bg1"/>
+                </a:solidFill>
+                <a:latin typeface="HK Grotesk Semi-Bold" panose="020B0604020202020204" charset="0"/>
+              </a:rPr>
+              <a:t>)</a:t>
             </a:r>
           </a:p>
           <a:p>
@@ -7632,8 +7878,8 @@
         </p:nvSpPr>
         <p:spPr>
           <a:xfrm>
-            <a:off x="0" y="731044"/>
-            <a:ext cx="18767179" cy="1462088"/>
+            <a:off x="1" y="731044"/>
+            <a:ext cx="18288000" cy="1462088"/>
           </a:xfrm>
           <a:prstGeom prst="rect">
             <a:avLst/>
@@ -7711,8 +7957,8 @@
         </p:nvSpPr>
         <p:spPr>
           <a:xfrm>
-            <a:off x="753939" y="2657050"/>
-            <a:ext cx="17259300" cy="6076950"/>
+            <a:off x="514350" y="2789968"/>
+            <a:ext cx="17259300" cy="5219955"/>
           </a:xfrm>
           <a:prstGeom prst="rect">
             <a:avLst/>
@@ -7733,13 +7979,13 @@
               </a:spcBef>
             </a:pPr>
             <a:r>
-              <a:rPr lang="en-US" sz="3101">
+              <a:rPr lang="en-US" sz="3101" dirty="0">
                 <a:solidFill>
                   <a:srgbClr val="F6F6F6"/>
                 </a:solidFill>
                 <a:latin typeface="HK Grotesk Semi-Bold"/>
               </a:rPr>
-              <a:t>The next step is to click on this icon:</a:t>
+              <a:t>The next step is to click on this icon in the upper toolbar:</a:t>
             </a:r>
           </a:p>
           <a:p>
@@ -7751,7 +7997,7 @@
                 <a:spcPct val="0"/>
               </a:spcBef>
             </a:pPr>
-            <a:endParaRPr lang="en-US" sz="3101">
+            <a:endParaRPr lang="en-US" sz="3101" dirty="0">
               <a:solidFill>
                 <a:srgbClr val="F6F6F6"/>
               </a:solidFill>
@@ -7768,13 +8014,31 @@
               </a:spcBef>
             </a:pPr>
             <a:r>
-              <a:rPr lang="en-US" sz="3101">
+              <a:rPr lang="en-US" sz="3101" dirty="0">
                 <a:solidFill>
                   <a:srgbClr val="F6F6F6"/>
                 </a:solidFill>
                 <a:latin typeface="HK Grotesk Semi-Bold"/>
               </a:rPr>
-              <a:t>in the upper toolbar.</a:t>
+              <a:t>This opens the menu Target connections, then in Hardware Server section you can click on Local [default] In the window that </a:t>
+            </a:r>
+            <a:r>
+              <a:rPr lang="en-US" sz="3101" dirty="0" err="1">
+                <a:solidFill>
+                  <a:srgbClr val="F6F6F6"/>
+                </a:solidFill>
+                <a:latin typeface="HK Grotesk Semi-Bold"/>
+              </a:rPr>
+              <a:t>wil</a:t>
+            </a:r>
+            <a:r>
+              <a:rPr lang="en-US" sz="3101" dirty="0">
+                <a:solidFill>
+                  <a:srgbClr val="F6F6F6"/>
+                </a:solidFill>
+                <a:latin typeface="HK Grotesk Semi-Bold"/>
+              </a:rPr>
+              <a:t> appear, click on OK with default values.</a:t>
             </a:r>
           </a:p>
           <a:p>
@@ -7786,7 +8050,7 @@
                 <a:spcPct val="0"/>
               </a:spcBef>
             </a:pPr>
-            <a:endParaRPr lang="en-US" sz="3101">
+            <a:endParaRPr lang="en-US" sz="3101" dirty="0">
               <a:solidFill>
                 <a:srgbClr val="F6F6F6"/>
               </a:solidFill>
@@ -7803,13 +8067,13 @@
               </a:spcBef>
             </a:pPr>
             <a:r>
-              <a:rPr lang="en-US" sz="3101">
+              <a:rPr lang="en-US" sz="3101" dirty="0">
                 <a:solidFill>
                   <a:srgbClr val="F6F6F6"/>
                 </a:solidFill>
                 <a:latin typeface="HK Grotesk Semi-Bold"/>
               </a:rPr>
-              <a:t>This opens the menu Target connections, then in Hardware Server section you can click on Local [default] In the window that wil appear, click on OK with default values.</a:t>
+              <a:t>Now click on the Debug key on the upper toolbar:</a:t>
             </a:r>
           </a:p>
           <a:p>
@@ -7821,7 +8085,7 @@
                 <a:spcPct val="0"/>
               </a:spcBef>
             </a:pPr>
-            <a:endParaRPr lang="en-US" sz="3101">
+            <a:endParaRPr lang="en-US" sz="3101" dirty="0">
               <a:solidFill>
                 <a:srgbClr val="F6F6F6"/>
               </a:solidFill>
@@ -7838,13 +8102,13 @@
               </a:spcBef>
             </a:pPr>
             <a:r>
-              <a:rPr lang="en-US" sz="3101">
+              <a:rPr lang="en-US" sz="3101" dirty="0">
                 <a:solidFill>
                   <a:srgbClr val="F6F6F6"/>
                 </a:solidFill>
                 <a:latin typeface="HK Grotesk Semi-Bold"/>
               </a:rPr>
-              <a:t>Now click on the Debug key on the upper toolbar:</a:t>
+              <a:t>This will program the FPGA and allow you to use the Vitis Serial Terminal (in the lower part of the screen), and add the correct port by clicking on the + symbol.</a:t>
             </a:r>
           </a:p>
           <a:p>
@@ -7856,43 +8120,8 @@
                 <a:spcPct val="0"/>
               </a:spcBef>
             </a:pPr>
-            <a:endParaRPr lang="en-US" sz="3101">
-              <a:solidFill>
-                <a:srgbClr val="F6F6F6"/>
-              </a:solidFill>
-              <a:latin typeface="HK Grotesk Semi-Bold"/>
-            </a:endParaRPr>
-          </a:p>
-          <a:p>
-            <a:pPr>
-              <a:lnSpc>
-                <a:spcPts val="3722"/>
-              </a:lnSpc>
-              <a:spcBef>
-                <a:spcPct val="0"/>
-              </a:spcBef>
-            </a:pPr>
-            <a:r>
-              <a:rPr lang="en-US" sz="3101">
-                <a:solidFill>
-                  <a:srgbClr val="F6F6F6"/>
-                </a:solidFill>
-                <a:latin typeface="HK Grotesk Semi-Bold"/>
-              </a:rPr>
-              <a:t>This will program the FPGA and allow you to use the Vitis Serial Terminal (in the lower part of the screen), and add the correct port by clicking on the + symbol.</a:t>
-            </a:r>
-          </a:p>
-          <a:p>
-            <a:pPr>
-              <a:lnSpc>
-                <a:spcPts val="3722"/>
-              </a:lnSpc>
-              <a:spcBef>
-                <a:spcPct val="0"/>
-              </a:spcBef>
-            </a:pPr>
-            <a:r>
-              <a:rPr lang="en-US" sz="3101">
+            <a:r>
+              <a:rPr lang="en-US" sz="3101" dirty="0">
                 <a:solidFill>
                   <a:srgbClr val="F6F6F6"/>
                 </a:solidFill>
@@ -7911,8 +8140,8 @@
         </p:nvSpPr>
         <p:spPr>
           <a:xfrm>
-            <a:off x="11876314" y="2789968"/>
-            <a:ext cx="1528346" cy="1397345"/>
+            <a:off x="10483091" y="2603100"/>
+            <a:ext cx="867612" cy="821508"/>
           </a:xfrm>
           <a:custGeom>
             <a:avLst/>
@@ -7952,7 +8181,7 @@
           <a:bodyPr/>
           <a:lstStyle/>
           <a:p>
-            <a:endParaRPr lang="it-IT"/>
+            <a:endParaRPr lang="it-IT" dirty="0"/>
           </a:p>
         </p:txBody>
       </p:sp>
@@ -7964,8 +8193,8 @@
         </p:nvSpPr>
         <p:spPr>
           <a:xfrm>
-            <a:off x="12076225" y="5700287"/>
-            <a:ext cx="1128524" cy="1079458"/>
+            <a:off x="9448800" y="4996473"/>
+            <a:ext cx="805691" cy="806943"/>
           </a:xfrm>
           <a:custGeom>
             <a:avLst/>
@@ -8005,125 +8234,7 @@
           <a:bodyPr/>
           <a:lstStyle/>
           <a:p>
-            <a:endParaRPr lang="it-IT"/>
-          </a:p>
-        </p:txBody>
-      </p:sp>
-      <p:sp>
-        <p:nvSpPr>
-          <p:cNvPr id="7" name="Freeform 7"/>
-          <p:cNvSpPr/>
-          <p:nvPr/>
-        </p:nvSpPr>
-        <p:spPr>
-          <a:xfrm>
-            <a:off x="7319134" y="2661338"/>
-            <a:ext cx="4128910" cy="1248995"/>
-          </a:xfrm>
-          <a:custGeom>
-            <a:avLst/>
-            <a:gdLst/>
-            <a:ahLst/>
-            <a:cxnLst/>
-            <a:rect l="l" t="t" r="r" b="b"/>
-            <a:pathLst>
-              <a:path w="4128910" h="1248995">
-                <a:moveTo>
-                  <a:pt x="0" y="0"/>
-                </a:moveTo>
-                <a:lnTo>
-                  <a:pt x="4128910" y="0"/>
-                </a:lnTo>
-                <a:lnTo>
-                  <a:pt x="4128910" y="1248995"/>
-                </a:lnTo>
-                <a:lnTo>
-                  <a:pt x="0" y="1248995"/>
-                </a:lnTo>
-                <a:lnTo>
-                  <a:pt x="0" y="0"/>
-                </a:lnTo>
-                <a:close/>
-              </a:path>
-            </a:pathLst>
-          </a:custGeom>
-          <a:blipFill>
-            <a:blip r:embed="rId4">
-              <a:extLst>
-                <a:ext uri="{96DAC541-7B7A-43D3-8B79-37D633B846F1}">
-                  <asvg:svgBlip xmlns:asvg="http://schemas.microsoft.com/office/drawing/2016/SVG/main" r:embed="rId5"/>
-                </a:ext>
-              </a:extLst>
-            </a:blip>
-            <a:stretch>
-              <a:fillRect/>
-            </a:stretch>
-          </a:blipFill>
-        </p:spPr>
-        <p:txBody>
-          <a:bodyPr/>
-          <a:lstStyle/>
-          <a:p>
-            <a:endParaRPr lang="it-IT"/>
-          </a:p>
-        </p:txBody>
-      </p:sp>
-      <p:sp>
-        <p:nvSpPr>
-          <p:cNvPr id="8" name="Freeform 8"/>
-          <p:cNvSpPr/>
-          <p:nvPr/>
-        </p:nvSpPr>
-        <p:spPr>
-          <a:xfrm>
-            <a:off x="9645231" y="5902565"/>
-            <a:ext cx="2231083" cy="674903"/>
-          </a:xfrm>
-          <a:custGeom>
-            <a:avLst/>
-            <a:gdLst/>
-            <a:ahLst/>
-            <a:cxnLst/>
-            <a:rect l="l" t="t" r="r" b="b"/>
-            <a:pathLst>
-              <a:path w="2231083" h="674903">
-                <a:moveTo>
-                  <a:pt x="0" y="0"/>
-                </a:moveTo>
-                <a:lnTo>
-                  <a:pt x="2231083" y="0"/>
-                </a:lnTo>
-                <a:lnTo>
-                  <a:pt x="2231083" y="674902"/>
-                </a:lnTo>
-                <a:lnTo>
-                  <a:pt x="0" y="674902"/>
-                </a:lnTo>
-                <a:lnTo>
-                  <a:pt x="0" y="0"/>
-                </a:lnTo>
-                <a:close/>
-              </a:path>
-            </a:pathLst>
-          </a:custGeom>
-          <a:blipFill>
-            <a:blip r:embed="rId4">
-              <a:extLst>
-                <a:ext uri="{96DAC541-7B7A-43D3-8B79-37D633B846F1}">
-                  <asvg:svgBlip xmlns:asvg="http://schemas.microsoft.com/office/drawing/2016/SVG/main" r:embed="rId5"/>
-                </a:ext>
-              </a:extLst>
-            </a:blip>
-            <a:stretch>
-              <a:fillRect/>
-            </a:stretch>
-          </a:blipFill>
-        </p:spPr>
-        <p:txBody>
-          <a:bodyPr/>
-          <a:lstStyle/>
-          <a:p>
-            <a:endParaRPr lang="it-IT"/>
+            <a:endParaRPr lang="it-IT" dirty="0"/>
           </a:p>
         </p:txBody>
       </p:sp>
@@ -8748,8 +8859,8 @@
         </p:nvSpPr>
         <p:spPr>
           <a:xfrm>
-            <a:off x="9753600" y="8733174"/>
-            <a:ext cx="8686800" cy="1754326"/>
+            <a:off x="2146402" y="9062978"/>
+            <a:ext cx="16141598" cy="1323439"/>
           </a:xfrm>
           <a:prstGeom prst="rect">
             <a:avLst/>
@@ -8762,31 +8873,65 @@
           </a:bodyPr>
           <a:lstStyle/>
           <a:p>
-            <a:r>
-              <a:rPr lang="en-US" dirty="0">
+            <a:pPr algn="r"/>
+            <a:r>
+              <a:rPr lang="en-US" sz="2000" dirty="0">
                 <a:latin typeface="HK Grotesk" panose="020B0604020202020204" charset="0"/>
               </a:rPr>
-              <a:t>First figure taken from https://it.emcelettronica.com/wp-content/uploads/2018/10/fpga.jpg</a:t>
-            </a:r>
-          </a:p>
-          <a:p>
-            <a:r>
-              <a:rPr lang="en-US" dirty="0">
+              <a:t>First figure taken from </a:t>
+            </a:r>
+            <a:r>
+              <a:rPr lang="en-US" sz="2000" dirty="0">
                 <a:latin typeface="HK Grotesk" panose="020B0604020202020204" charset="0"/>
-              </a:rPr>
-              <a:t>Second figure taken from https://www.zachpfeffer.com/single-post/xilinx-20182-software-tool-installation-overview-and-assessment</a:t>
-            </a:r>
-          </a:p>
-          <a:p>
-            <a:r>
-              <a:rPr lang="en-US" dirty="0">
+                <a:hlinkClick r:id="rId5"/>
+              </a:rPr>
+              <a:t>https://it.emcelettronica.com/wp-content/uploads/2018/10/fpga.jpg</a:t>
+            </a:r>
+            <a:endParaRPr lang="en-US" sz="2000" dirty="0">
+              <a:latin typeface="HK Grotesk" panose="020B0604020202020204" charset="0"/>
+            </a:endParaRPr>
+          </a:p>
+          <a:p>
+            <a:pPr algn="r"/>
+            <a:r>
+              <a:rPr lang="en-US" sz="2000" dirty="0">
                 <a:latin typeface="HK Grotesk" panose="020B0604020202020204" charset="0"/>
               </a:rPr>
-              <a:t>Third figure taken from https://www.mouser.mx/new/xilinx/xilinx-zynq-7000-socs/</a:t>
-            </a:r>
-          </a:p>
-          <a:p>
-            <a:endParaRPr lang="it-IT" dirty="0">
+              <a:t>Second figure taken </a:t>
+            </a:r>
+            <a:r>
+              <a:rPr lang="en-US" sz="2000" dirty="0">
+                <a:latin typeface="HK Grotesk" panose="020B0604020202020204" charset="0"/>
+                <a:hlinkClick r:id="rId6"/>
+              </a:rPr>
+              <a:t>from https://www.zachpfeffer.com/single-post/xilinx-20182-software-tool-installation-overview-and-assessment</a:t>
+            </a:r>
+            <a:endParaRPr lang="en-US" sz="2000" dirty="0">
+              <a:latin typeface="HK Grotesk" panose="020B0604020202020204" charset="0"/>
+            </a:endParaRPr>
+          </a:p>
+          <a:p>
+            <a:pPr algn="r"/>
+            <a:r>
+              <a:rPr lang="en-US" sz="2000" dirty="0">
+                <a:latin typeface="HK Grotesk" panose="020B0604020202020204" charset="0"/>
+              </a:rPr>
+              <a:t>Third figure taken from </a:t>
+            </a:r>
+            <a:r>
+              <a:rPr lang="en-US" sz="2000" dirty="0">
+                <a:latin typeface="HK Grotesk" panose="020B0604020202020204" charset="0"/>
+                <a:hlinkClick r:id="rId7"/>
+              </a:rPr>
+              <a:t>https://www.mouser.mx/new/xilinx/xilinx-zynq-7000-socs/</a:t>
+            </a:r>
+            <a:endParaRPr lang="en-US" sz="2000" dirty="0">
+              <a:latin typeface="HK Grotesk" panose="020B0604020202020204" charset="0"/>
+            </a:endParaRPr>
+          </a:p>
+          <a:p>
+            <a:pPr algn="r"/>
+            <a:endParaRPr lang="it-IT" sz="2000" dirty="0">
               <a:latin typeface="HK Grotesk" panose="020B0604020202020204" charset="0"/>
             </a:endParaRPr>
           </a:p>
@@ -8833,7 +8978,7 @@
         </p:nvSpPr>
         <p:spPr>
           <a:xfrm>
-            <a:off x="37590" y="37590"/>
+            <a:off x="0" y="3096"/>
             <a:ext cx="1982220" cy="1982220"/>
           </a:xfrm>
           <a:custGeom>
@@ -8886,7 +9031,7 @@
         </p:nvSpPr>
         <p:spPr>
           <a:xfrm>
-            <a:off x="12603593" y="7405596"/>
+            <a:off x="14183120" y="7342230"/>
             <a:ext cx="3549241" cy="1852704"/>
           </a:xfrm>
           <a:custGeom>
@@ -8931,107 +9076,6 @@
           </a:p>
         </p:txBody>
       </p:sp>
-      <p:grpSp>
-        <p:nvGrpSpPr>
-          <p:cNvPr id="4" name="Group 4"/>
-          <p:cNvGrpSpPr/>
-          <p:nvPr/>
-        </p:nvGrpSpPr>
-        <p:grpSpPr>
-          <a:xfrm>
-            <a:off x="1028700" y="2995239"/>
-            <a:ext cx="279321" cy="279321"/>
-            <a:chOff x="0" y="0"/>
-            <a:chExt cx="812800" cy="812800"/>
-          </a:xfrm>
-        </p:grpSpPr>
-        <p:sp>
-          <p:nvSpPr>
-            <p:cNvPr id="5" name="Freeform 5"/>
-            <p:cNvSpPr/>
-            <p:nvPr/>
-          </p:nvSpPr>
-          <p:spPr>
-            <a:xfrm>
-              <a:off x="0" y="0"/>
-              <a:ext cx="812800" cy="812800"/>
-            </a:xfrm>
-            <a:custGeom>
-              <a:avLst/>
-              <a:gdLst/>
-              <a:ahLst/>
-              <a:cxnLst/>
-              <a:rect l="l" t="t" r="r" b="b"/>
-              <a:pathLst>
-                <a:path w="812800" h="812800">
-                  <a:moveTo>
-                    <a:pt x="406400" y="0"/>
-                  </a:moveTo>
-                  <a:cubicBezTo>
-                    <a:pt x="181951" y="0"/>
-                    <a:pt x="0" y="181951"/>
-                    <a:pt x="0" y="406400"/>
-                  </a:cubicBezTo>
-                  <a:cubicBezTo>
-                    <a:pt x="0" y="630849"/>
-                    <a:pt x="181951" y="812800"/>
-                    <a:pt x="406400" y="812800"/>
-                  </a:cubicBezTo>
-                  <a:cubicBezTo>
-                    <a:pt x="630849" y="812800"/>
-                    <a:pt x="812800" y="630849"/>
-                    <a:pt x="812800" y="406400"/>
-                  </a:cubicBezTo>
-                  <a:cubicBezTo>
-                    <a:pt x="812800" y="181951"/>
-                    <a:pt x="630849" y="0"/>
-                    <a:pt x="406400" y="0"/>
-                  </a:cubicBezTo>
-                  <a:close/>
-                </a:path>
-              </a:pathLst>
-            </a:custGeom>
-            <a:solidFill>
-              <a:srgbClr val="000000"/>
-            </a:solidFill>
-          </p:spPr>
-          <p:txBody>
-            <a:bodyPr/>
-            <a:lstStyle/>
-            <a:p>
-              <a:endParaRPr lang="it-IT"/>
-            </a:p>
-          </p:txBody>
-        </p:sp>
-        <p:sp>
-          <p:nvSpPr>
-            <p:cNvPr id="6" name="TextBox 6"/>
-            <p:cNvSpPr txBox="1"/>
-            <p:nvPr/>
-          </p:nvSpPr>
-          <p:spPr>
-            <a:xfrm>
-              <a:off x="76200" y="28575"/>
-              <a:ext cx="660400" cy="708025"/>
-            </a:xfrm>
-            <a:prstGeom prst="rect">
-              <a:avLst/>
-            </a:prstGeom>
-          </p:spPr>
-          <p:txBody>
-            <a:bodyPr lIns="50800" tIns="50800" rIns="50800" bIns="50800" rtlCol="0" anchor="ctr"/>
-            <a:lstStyle/>
-            <a:p>
-              <a:pPr algn="ctr">
-                <a:lnSpc>
-                  <a:spcPts val="2940"/>
-                </a:lnSpc>
-              </a:pPr>
-              <a:endParaRPr/>
-            </a:p>
-          </p:txBody>
-        </p:sp>
-      </p:grpSp>
       <p:sp>
         <p:nvSpPr>
           <p:cNvPr id="7" name="TextBox 7"/>
@@ -9062,9 +9106,9 @@
               </a:spcBef>
             </a:pPr>
             <a:r>
-              <a:rPr lang="en-US" sz="5726">
-                <a:solidFill>
-                  <a:srgbClr val="000000"/>
+              <a:rPr lang="en-US" sz="5726" dirty="0">
+                <a:solidFill>
+                  <a:schemeClr val="bg1"/>
                 </a:solidFill>
                 <a:latin typeface="TAN Headline"/>
               </a:rPr>
@@ -9082,30 +9126,32 @@
         <p:spPr>
           <a:xfrm>
             <a:off x="1464171" y="2820575"/>
-            <a:ext cx="7679829" cy="619125"/>
+            <a:ext cx="9127629" cy="615553"/>
           </a:xfrm>
           <a:prstGeom prst="rect">
             <a:avLst/>
           </a:prstGeom>
         </p:spPr>
         <p:txBody>
-          <a:bodyPr lIns="0" tIns="0" rIns="0" bIns="0" rtlCol="0" anchor="t">
+          <a:bodyPr wrap="square" lIns="0" tIns="0" rIns="0" bIns="0" rtlCol="0" anchor="t">
             <a:spAutoFit/>
           </a:bodyPr>
           <a:lstStyle/>
           <a:p>
-            <a:pPr algn="ctr">
+            <a:pPr marL="571500" indent="-571500" algn="ctr">
               <a:lnSpc>
                 <a:spcPts val="4800"/>
               </a:lnSpc>
               <a:spcBef>
                 <a:spcPct val="0"/>
               </a:spcBef>
-            </a:pPr>
-            <a:r>
-              <a:rPr lang="en-US" sz="4000">
-                <a:solidFill>
-                  <a:srgbClr val="000000"/>
+              <a:buFont typeface="Arial" panose="020B0604020202020204" pitchFamily="34" charset="0"/>
+              <a:buChar char="•"/>
+            </a:pPr>
+            <a:r>
+              <a:rPr lang="en-US" sz="4000" dirty="0">
+                <a:solidFill>
+                  <a:schemeClr val="bg1"/>
                 </a:solidFill>
                 <a:latin typeface="HK Grotesk"/>
               </a:rPr>
@@ -9122,8 +9168,8 @@
         </p:nvSpPr>
         <p:spPr>
           <a:xfrm>
-            <a:off x="741955" y="4543425"/>
-            <a:ext cx="16268190" cy="1200150"/>
+            <a:off x="1464171" y="4622169"/>
+            <a:ext cx="16268190" cy="1230978"/>
           </a:xfrm>
           <a:prstGeom prst="rect">
             <a:avLst/>
@@ -9135,22 +9181,42 @@
           </a:bodyPr>
           <a:lstStyle/>
           <a:p>
-            <a:pPr algn="ctr">
+            <a:pPr marL="571500" indent="-571500" algn="ctr">
               <a:lnSpc>
                 <a:spcPts val="4799"/>
               </a:lnSpc>
               <a:spcBef>
                 <a:spcPct val="0"/>
               </a:spcBef>
-            </a:pPr>
-            <a:r>
-              <a:rPr lang="en-US" sz="3999">
-                <a:solidFill>
-                  <a:srgbClr val="000000"/>
+              <a:buFont typeface="Arial" panose="020B0604020202020204" pitchFamily="34" charset="0"/>
+              <a:buChar char="•"/>
+            </a:pPr>
+            <a:r>
+              <a:rPr lang="en-US" sz="3999" dirty="0">
+                <a:solidFill>
+                  <a:schemeClr val="bg1"/>
                 </a:solidFill>
                 <a:latin typeface="HK Grotesk"/>
               </a:rPr>
-              <a:t>Widely Adopted in Automotive,Aerospace,Telecommunications and Industrial Automation for Robust Embedded Systems.</a:t>
+              <a:t>Widely Adopted in </a:t>
+            </a:r>
+            <a:r>
+              <a:rPr lang="en-US" sz="3999" dirty="0" err="1">
+                <a:solidFill>
+                  <a:schemeClr val="bg1"/>
+                </a:solidFill>
+                <a:latin typeface="HK Grotesk"/>
+              </a:rPr>
+              <a:t>Automotive,Aerospace,Telecommunications</a:t>
+            </a:r>
+            <a:r>
+              <a:rPr lang="en-US" sz="3999" dirty="0">
+                <a:solidFill>
+                  <a:schemeClr val="bg1"/>
+                </a:solidFill>
+                <a:latin typeface="HK Grotesk"/>
+              </a:rPr>
+              <a:t> and Industrial Automation for Robust Embedded Systems.</a:t>
             </a:r>
           </a:p>
         </p:txBody>
@@ -9163,8 +9229,8 @@
         </p:nvSpPr>
         <p:spPr>
           <a:xfrm>
-            <a:off x="1168361" y="6554748"/>
-            <a:ext cx="10061434" cy="600075"/>
+            <a:off x="1982220" y="6532909"/>
+            <a:ext cx="10061434" cy="615425"/>
           </a:xfrm>
           <a:prstGeom prst="rect">
             <a:avLst/>
@@ -9176,18 +9242,20 @@
           </a:bodyPr>
           <a:lstStyle/>
           <a:p>
-            <a:pPr algn="ctr">
+            <a:pPr marL="571500" indent="-571500" algn="ctr">
               <a:lnSpc>
                 <a:spcPts val="4799"/>
               </a:lnSpc>
               <a:spcBef>
                 <a:spcPct val="0"/>
               </a:spcBef>
-            </a:pPr>
-            <a:r>
-              <a:rPr lang="en-US" sz="3999">
-                <a:solidFill>
-                  <a:srgbClr val="000000"/>
+              <a:buFont typeface="Arial" panose="020B0604020202020204" pitchFamily="34" charset="0"/>
+              <a:buChar char="•"/>
+            </a:pPr>
+            <a:r>
+              <a:rPr lang="en-US" sz="3999" dirty="0">
+                <a:solidFill>
+                  <a:schemeClr val="bg1"/>
                 </a:solidFill>
                 <a:latin typeface="HK Grotesk"/>
               </a:rPr>
@@ -9196,208 +9264,6 @@
           </a:p>
         </p:txBody>
       </p:sp>
-      <p:grpSp>
-        <p:nvGrpSpPr>
-          <p:cNvPr id="11" name="Group 11"/>
-          <p:cNvGrpSpPr/>
-          <p:nvPr/>
-        </p:nvGrpSpPr>
-        <p:grpSpPr>
-          <a:xfrm>
-            <a:off x="988615" y="4726809"/>
-            <a:ext cx="279321" cy="279321"/>
-            <a:chOff x="0" y="0"/>
-            <a:chExt cx="812800" cy="812800"/>
-          </a:xfrm>
-        </p:grpSpPr>
-        <p:sp>
-          <p:nvSpPr>
-            <p:cNvPr id="12" name="Freeform 12"/>
-            <p:cNvSpPr/>
-            <p:nvPr/>
-          </p:nvSpPr>
-          <p:spPr>
-            <a:xfrm>
-              <a:off x="0" y="0"/>
-              <a:ext cx="812800" cy="812800"/>
-            </a:xfrm>
-            <a:custGeom>
-              <a:avLst/>
-              <a:gdLst/>
-              <a:ahLst/>
-              <a:cxnLst/>
-              <a:rect l="l" t="t" r="r" b="b"/>
-              <a:pathLst>
-                <a:path w="812800" h="812800">
-                  <a:moveTo>
-                    <a:pt x="406400" y="0"/>
-                  </a:moveTo>
-                  <a:cubicBezTo>
-                    <a:pt x="181951" y="0"/>
-                    <a:pt x="0" y="181951"/>
-                    <a:pt x="0" y="406400"/>
-                  </a:cubicBezTo>
-                  <a:cubicBezTo>
-                    <a:pt x="0" y="630849"/>
-                    <a:pt x="181951" y="812800"/>
-                    <a:pt x="406400" y="812800"/>
-                  </a:cubicBezTo>
-                  <a:cubicBezTo>
-                    <a:pt x="630849" y="812800"/>
-                    <a:pt x="812800" y="630849"/>
-                    <a:pt x="812800" y="406400"/>
-                  </a:cubicBezTo>
-                  <a:cubicBezTo>
-                    <a:pt x="812800" y="181951"/>
-                    <a:pt x="630849" y="0"/>
-                    <a:pt x="406400" y="0"/>
-                  </a:cubicBezTo>
-                  <a:close/>
-                </a:path>
-              </a:pathLst>
-            </a:custGeom>
-            <a:solidFill>
-              <a:srgbClr val="000000"/>
-            </a:solidFill>
-          </p:spPr>
-          <p:txBody>
-            <a:bodyPr/>
-            <a:lstStyle/>
-            <a:p>
-              <a:endParaRPr lang="it-IT"/>
-            </a:p>
-          </p:txBody>
-        </p:sp>
-        <p:sp>
-          <p:nvSpPr>
-            <p:cNvPr id="13" name="TextBox 13"/>
-            <p:cNvSpPr txBox="1"/>
-            <p:nvPr/>
-          </p:nvSpPr>
-          <p:spPr>
-            <a:xfrm>
-              <a:off x="76200" y="28575"/>
-              <a:ext cx="660400" cy="708025"/>
-            </a:xfrm>
-            <a:prstGeom prst="rect">
-              <a:avLst/>
-            </a:prstGeom>
-          </p:spPr>
-          <p:txBody>
-            <a:bodyPr lIns="50800" tIns="50800" rIns="50800" bIns="50800" rtlCol="0" anchor="ctr"/>
-            <a:lstStyle/>
-            <a:p>
-              <a:pPr algn="ctr">
-                <a:lnSpc>
-                  <a:spcPts val="2940"/>
-                </a:lnSpc>
-              </a:pPr>
-              <a:endParaRPr/>
-            </a:p>
-          </p:txBody>
-        </p:sp>
-      </p:grpSp>
-      <p:grpSp>
-        <p:nvGrpSpPr>
-          <p:cNvPr id="14" name="Group 14"/>
-          <p:cNvGrpSpPr/>
-          <p:nvPr/>
-        </p:nvGrpSpPr>
-        <p:grpSpPr>
-          <a:xfrm>
-            <a:off x="988615" y="6715125"/>
-            <a:ext cx="279321" cy="279321"/>
-            <a:chOff x="0" y="0"/>
-            <a:chExt cx="812800" cy="812800"/>
-          </a:xfrm>
-        </p:grpSpPr>
-        <p:sp>
-          <p:nvSpPr>
-            <p:cNvPr id="15" name="Freeform 15"/>
-            <p:cNvSpPr/>
-            <p:nvPr/>
-          </p:nvSpPr>
-          <p:spPr>
-            <a:xfrm>
-              <a:off x="0" y="0"/>
-              <a:ext cx="812800" cy="812800"/>
-            </a:xfrm>
-            <a:custGeom>
-              <a:avLst/>
-              <a:gdLst/>
-              <a:ahLst/>
-              <a:cxnLst/>
-              <a:rect l="l" t="t" r="r" b="b"/>
-              <a:pathLst>
-                <a:path w="812800" h="812800">
-                  <a:moveTo>
-                    <a:pt x="406400" y="0"/>
-                  </a:moveTo>
-                  <a:cubicBezTo>
-                    <a:pt x="181951" y="0"/>
-                    <a:pt x="0" y="181951"/>
-                    <a:pt x="0" y="406400"/>
-                  </a:cubicBezTo>
-                  <a:cubicBezTo>
-                    <a:pt x="0" y="630849"/>
-                    <a:pt x="181951" y="812800"/>
-                    <a:pt x="406400" y="812800"/>
-                  </a:cubicBezTo>
-                  <a:cubicBezTo>
-                    <a:pt x="630849" y="812800"/>
-                    <a:pt x="812800" y="630849"/>
-                    <a:pt x="812800" y="406400"/>
-                  </a:cubicBezTo>
-                  <a:cubicBezTo>
-                    <a:pt x="812800" y="181951"/>
-                    <a:pt x="630849" y="0"/>
-                    <a:pt x="406400" y="0"/>
-                  </a:cubicBezTo>
-                  <a:close/>
-                </a:path>
-              </a:pathLst>
-            </a:custGeom>
-            <a:solidFill>
-              <a:srgbClr val="000000"/>
-            </a:solidFill>
-          </p:spPr>
-          <p:txBody>
-            <a:bodyPr/>
-            <a:lstStyle/>
-            <a:p>
-              <a:endParaRPr lang="it-IT"/>
-            </a:p>
-          </p:txBody>
-        </p:sp>
-        <p:sp>
-          <p:nvSpPr>
-            <p:cNvPr id="16" name="TextBox 16"/>
-            <p:cNvSpPr txBox="1"/>
-            <p:nvPr/>
-          </p:nvSpPr>
-          <p:spPr>
-            <a:xfrm>
-              <a:off x="76200" y="28575"/>
-              <a:ext cx="660400" cy="708025"/>
-            </a:xfrm>
-            <a:prstGeom prst="rect">
-              <a:avLst/>
-            </a:prstGeom>
-          </p:spPr>
-          <p:txBody>
-            <a:bodyPr lIns="50800" tIns="50800" rIns="50800" bIns="50800" rtlCol="0" anchor="ctr"/>
-            <a:lstStyle/>
-            <a:p>
-              <a:pPr algn="ctr">
-                <a:lnSpc>
-                  <a:spcPts val="2940"/>
-                </a:lnSpc>
-              </a:pPr>
-              <a:endParaRPr/>
-            </a:p>
-          </p:txBody>
-        </p:sp>
-      </p:grpSp>
       <p:sp>
         <p:nvSpPr>
           <p:cNvPr id="17" name="CasellaDiTesto 16">
@@ -9412,8 +9278,8 @@
         </p:nvSpPr>
         <p:spPr>
           <a:xfrm>
-            <a:off x="8129472" y="9371290"/>
-            <a:ext cx="10189008" cy="923330"/>
+            <a:off x="6986464" y="9410700"/>
+            <a:ext cx="11285462" cy="1015663"/>
           </a:xfrm>
           <a:prstGeom prst="rect">
             <a:avLst/>
@@ -9426,23 +9292,46 @@
           </a:bodyPr>
           <a:lstStyle/>
           <a:p>
-            <a:r>
-              <a:rPr lang="en-US" dirty="0">
+            <a:pPr algn="r"/>
+            <a:r>
+              <a:rPr lang="en-US" sz="2000" dirty="0">
                 <a:latin typeface="HK Grotesk" panose="020B0604020202020204" charset="0"/>
               </a:rPr>
-              <a:t>First figure taken from https://it.emcelettronica.com/wp-content/uploads/2018/10/fpga.jpg</a:t>
-            </a:r>
-          </a:p>
-          <a:p>
-            <a:r>
-              <a:rPr lang="en-US" dirty="0">
+              <a:t>First figure taken from </a:t>
+            </a:r>
+            <a:r>
+              <a:rPr lang="en-US" sz="2000" dirty="0">
                 <a:latin typeface="HK Grotesk" panose="020B0604020202020204" charset="0"/>
-              </a:rPr>
-              <a:t>Second figure taken from https://discuss.pynq.io/t/deploying-pynq-and-jupyter-with-petalinux/677</a:t>
-            </a:r>
-          </a:p>
-          <a:p>
-            <a:endParaRPr lang="it-IT" dirty="0"/>
+                <a:hlinkClick r:id="rId4"/>
+              </a:rPr>
+              <a:t>https://it.emcelettronica.com/wp-content/uploads/2018/10/fpga.jpg</a:t>
+            </a:r>
+            <a:endParaRPr lang="en-US" sz="2000" dirty="0">
+              <a:latin typeface="HK Grotesk" panose="020B0604020202020204" charset="0"/>
+            </a:endParaRPr>
+          </a:p>
+          <a:p>
+            <a:pPr algn="r"/>
+            <a:r>
+              <a:rPr lang="en-US" sz="2000" dirty="0">
+                <a:latin typeface="HK Grotesk" panose="020B0604020202020204" charset="0"/>
+              </a:rPr>
+              <a:t>Second figure taken from </a:t>
+            </a:r>
+            <a:r>
+              <a:rPr lang="en-US" sz="2000" dirty="0">
+                <a:latin typeface="HK Grotesk" panose="020B0604020202020204" charset="0"/>
+                <a:hlinkClick r:id="rId5"/>
+              </a:rPr>
+              <a:t>https://discuss.pynq.io/t/deploying-pynq-and-jupyter-with-petalinux/677</a:t>
+            </a:r>
+            <a:endParaRPr lang="en-US" sz="2000" dirty="0">
+              <a:latin typeface="HK Grotesk" panose="020B0604020202020204" charset="0"/>
+            </a:endParaRPr>
+          </a:p>
+          <a:p>
+            <a:pPr algn="r"/>
+            <a:endParaRPr lang="it-IT" sz="2000" dirty="0"/>
           </a:p>
         </p:txBody>
       </p:sp>
@@ -9589,13 +9478,31 @@
               <a:buChar char="•"/>
             </a:pPr>
             <a:r>
-              <a:rPr lang="en-US" sz="3966">
+              <a:rPr lang="en-US" sz="3966" dirty="0">
                 <a:solidFill>
                   <a:srgbClr val="FFFFFF"/>
                 </a:solidFill>
                 <a:latin typeface="HK Grotesk Bold"/>
               </a:rPr>
-              <a:t>Download PetaLinux:</a:t>
+              <a:t>Download </a:t>
+            </a:r>
+            <a:r>
+              <a:rPr lang="en-US" sz="3966" dirty="0" err="1">
+                <a:solidFill>
+                  <a:srgbClr val="FFFFFF"/>
+                </a:solidFill>
+                <a:latin typeface="HK Grotesk Bold"/>
+              </a:rPr>
+              <a:t>PetaLinux</a:t>
+            </a:r>
+            <a:r>
+              <a:rPr lang="en-US" sz="3966" dirty="0">
+                <a:solidFill>
+                  <a:srgbClr val="FFFFFF"/>
+                </a:solidFill>
+                <a:latin typeface="HK Grotesk Bold"/>
+              </a:rPr>
+              <a:t>:</a:t>
             </a:r>
           </a:p>
           <a:p>
@@ -9607,23 +9514,51 @@
               <a:buChar char="•"/>
             </a:pPr>
             <a:r>
-              <a:rPr lang="en-US" sz="3966">
+              <a:rPr lang="en-US" sz="3966" dirty="0">
                 <a:solidFill>
                   <a:srgbClr val="FFFFFF"/>
                 </a:solidFill>
                 <a:latin typeface="HK Grotesk Light"/>
               </a:rPr>
-              <a:t>Visit the following link to download the PetaLinux installer: </a:t>
-            </a:r>
-            <a:r>
-              <a:rPr lang="en-US" sz="3966" u="sng">
+              <a:t>Visit the following link to download the </a:t>
+            </a:r>
+            <a:r>
+              <a:rPr lang="en-US" sz="3966" dirty="0" err="1">
+                <a:solidFill>
+                  <a:srgbClr val="FFFFFF"/>
+                </a:solidFill>
+                <a:latin typeface="HK Grotesk Light"/>
+              </a:rPr>
+              <a:t>PetaLinux</a:t>
+            </a:r>
+            <a:r>
+              <a:rPr lang="en-US" sz="3966" dirty="0">
+                <a:solidFill>
+                  <a:srgbClr val="FFFFFF"/>
+                </a:solidFill>
+                <a:latin typeface="HK Grotesk Light"/>
+              </a:rPr>
+              <a:t> installer: </a:t>
+            </a:r>
+            <a:r>
+              <a:rPr lang="en-US" sz="3966" u="sng" dirty="0" err="1">
                 <a:solidFill>
                   <a:srgbClr val="FFFFFF"/>
                 </a:solidFill>
                 <a:latin typeface="HK Grotesk Light"/>
                 <a:hlinkClick r:id="rId2" tooltip="https://www.xilinx.com/member/forms/download/xef.html?filename=petalinux-v2023.1-05012318-installer.run"/>
               </a:rPr>
-              <a:t>PetaLinux Download</a:t>
+              <a:t>PetaLinux</a:t>
+            </a:r>
+            <a:r>
+              <a:rPr lang="en-US" sz="3966" u="sng" dirty="0">
+                <a:solidFill>
+                  <a:srgbClr val="FFFFFF"/>
+                </a:solidFill>
+                <a:latin typeface="HK Grotesk Light"/>
+                <a:hlinkClick r:id="rId2" tooltip="https://www.xilinx.com/member/forms/download/xef.html?filename=petalinux-v2023.1-05012318-installer.run"/>
+              </a:rPr>
+              <a:t> Download</a:t>
             </a:r>
           </a:p>
           <a:p>
@@ -9635,7 +9570,7 @@
               <a:buChar char="•"/>
             </a:pPr>
             <a:r>
-              <a:rPr lang="en-US" sz="3966">
+              <a:rPr lang="en-US" sz="3966" dirty="0">
                 <a:solidFill>
                   <a:srgbClr val="FFFFFF"/>
                 </a:solidFill>
@@ -9651,7 +9586,7 @@
               </a:lnSpc>
             </a:pPr>
             <a:r>
-              <a:rPr lang="en-US" sz="3966">
+              <a:rPr lang="en-US" sz="3966" dirty="0">
                 <a:solidFill>
                   <a:srgbClr val="FFFFFF"/>
                 </a:solidFill>
@@ -9666,7 +9601,7 @@
                 <a:spcPts val="5552"/>
               </a:lnSpc>
             </a:pPr>
-            <a:endParaRPr lang="en-US" sz="3966">
+            <a:endParaRPr lang="en-US" sz="3966" dirty="0">
               <a:solidFill>
                 <a:srgbClr val="FFFFFF"/>
               </a:solidFill>
@@ -9679,7 +9614,7 @@
                 <a:spcPts val="5552"/>
               </a:lnSpc>
             </a:pPr>
-            <a:endParaRPr lang="en-US" sz="3966">
+            <a:endParaRPr lang="en-US" sz="3966" dirty="0">
               <a:solidFill>
                 <a:srgbClr val="FFFFFF"/>
               </a:solidFill>
@@ -9692,7 +9627,7 @@
                 <a:spcPts val="5552"/>
               </a:lnSpc>
             </a:pPr>
-            <a:endParaRPr lang="en-US" sz="3966">
+            <a:endParaRPr lang="en-US" sz="3966" dirty="0">
               <a:solidFill>
                 <a:srgbClr val="FFFFFF"/>
               </a:solidFill>
@@ -9705,7 +9640,7 @@
                 <a:spcPts val="5552"/>
               </a:lnSpc>
             </a:pPr>
-            <a:endParaRPr lang="en-US" sz="3966">
+            <a:endParaRPr lang="en-US" sz="3966" dirty="0">
               <a:solidFill>
                 <a:srgbClr val="FFFFFF"/>
               </a:solidFill>
@@ -9718,7 +9653,7 @@
                 <a:spcPts val="5552"/>
               </a:lnSpc>
             </a:pPr>
-            <a:endParaRPr lang="en-US" sz="3966">
+            <a:endParaRPr lang="en-US" sz="3966" dirty="0">
               <a:solidFill>
                 <a:srgbClr val="FFFFFF"/>
               </a:solidFill>
@@ -9848,7 +9783,7 @@
         </p:nvSpPr>
         <p:spPr>
           <a:xfrm>
-            <a:off x="7710880" y="7459759"/>
+            <a:off x="7471291" y="7401997"/>
             <a:ext cx="3345418" cy="447675"/>
           </a:xfrm>
           <a:prstGeom prst="rect">
@@ -9870,13 +9805,22 @@
               </a:spcBef>
             </a:pPr>
             <a:r>
-              <a:rPr lang="en-US" sz="2926">
+              <a:rPr lang="en-US" sz="2926" dirty="0" err="1">
                 <a:solidFill>
                   <a:srgbClr val="F6F6F6"/>
                 </a:solidFill>
                 <a:latin typeface="Fira Code Semi-Bold"/>
               </a:rPr>
-              <a:t>sudo apt update</a:t>
+              <a:t>sudo</a:t>
+            </a:r>
+            <a:r>
+              <a:rPr lang="en-US" sz="2926" dirty="0">
+                <a:solidFill>
+                  <a:srgbClr val="F6F6F6"/>
+                </a:solidFill>
+                <a:latin typeface="Fira Code Semi-Bold"/>
+              </a:rPr>
+              <a:t> apt update</a:t>
             </a:r>
           </a:p>
         </p:txBody>
@@ -9889,7 +9833,7 @@
         </p:nvSpPr>
         <p:spPr>
           <a:xfrm>
-            <a:off x="7710880" y="8145950"/>
+            <a:off x="7471291" y="8155475"/>
             <a:ext cx="3568422" cy="447675"/>
           </a:xfrm>
           <a:prstGeom prst="rect">
@@ -9911,13 +9855,22 @@
               </a:spcBef>
             </a:pPr>
             <a:r>
-              <a:rPr lang="en-US" sz="2926">
+              <a:rPr lang="en-US" sz="2926" dirty="0" err="1">
                 <a:solidFill>
                   <a:srgbClr val="F6F6F6"/>
                 </a:solidFill>
                 <a:latin typeface="Fira Code Semi-Bold"/>
               </a:rPr>
-              <a:t>sudo apt upgrade</a:t>
+              <a:t>sudo</a:t>
+            </a:r>
+            <a:r>
+              <a:rPr lang="en-US" sz="2926" dirty="0">
+                <a:solidFill>
+                  <a:srgbClr val="F6F6F6"/>
+                </a:solidFill>
+                <a:latin typeface="Fira Code Semi-Bold"/>
+              </a:rPr>
+              <a:t> apt upgrade</a:t>
             </a:r>
           </a:p>
         </p:txBody>
@@ -10116,8 +10069,8 @@
         </p:nvGrpSpPr>
         <p:grpSpPr>
           <a:xfrm>
-            <a:off x="0" y="1028700"/>
-            <a:ext cx="18767179" cy="1462088"/>
+            <a:off x="1" y="1028700"/>
+            <a:ext cx="18288000" cy="1462088"/>
             <a:chOff x="0" y="0"/>
             <a:chExt cx="25022905" cy="1949450"/>
           </a:xfrm>
@@ -10554,7 +10507,7 @@
         <p:spPr>
           <a:xfrm>
             <a:off x="1028700" y="2611119"/>
-            <a:ext cx="15482344" cy="6647181"/>
+            <a:ext cx="15482344" cy="6772880"/>
           </a:xfrm>
           <a:prstGeom prst="rect">
             <a:avLst/>
@@ -10572,7 +10525,7 @@
               </a:lnSpc>
             </a:pPr>
             <a:r>
-              <a:rPr lang="en-US" sz="3799">
+              <a:rPr lang="en-US" sz="3799" dirty="0">
                 <a:solidFill>
                   <a:srgbClr val="FFFFFF"/>
                 </a:solidFill>
@@ -10588,7 +10541,7 @@
               </a:lnSpc>
             </a:pPr>
             <a:r>
-              <a:rPr lang="en-US" sz="3799">
+              <a:rPr lang="en-US" sz="3799" dirty="0">
                 <a:solidFill>
                   <a:srgbClr val="FFFFFF"/>
                 </a:solidFill>
@@ -10597,7 +10550,7 @@
               <a:t>You can go at that </a:t>
             </a:r>
             <a:r>
-              <a:rPr lang="en-US" sz="3799" u="sng">
+              <a:rPr lang="en-US" sz="3799" dirty="0">
                 <a:solidFill>
                   <a:srgbClr val="FFFFFF"/>
                 </a:solidFill>
@@ -10607,7 +10560,7 @@
               <a:t>link</a:t>
             </a:r>
             <a:r>
-              <a:rPr lang="en-US" sz="3799">
+              <a:rPr lang="en-US" sz="3799" dirty="0">
                 <a:solidFill>
                   <a:srgbClr val="FFFFFF"/>
                 </a:solidFill>
@@ -10625,7 +10578,7 @@
               <a:buChar char="•"/>
             </a:pPr>
             <a:r>
-              <a:rPr lang="en-US" sz="3799">
+              <a:rPr lang="en-US" sz="3799" dirty="0">
                 <a:solidFill>
                   <a:srgbClr val="FFFFFF"/>
                 </a:solidFill>
@@ -10643,7 +10596,7 @@
               <a:buChar char="•"/>
             </a:pPr>
             <a:r>
-              <a:rPr lang="en-US" sz="3799">
+              <a:rPr lang="en-US" sz="3799" dirty="0">
                 <a:solidFill>
                   <a:srgbClr val="FFFFFF"/>
                 </a:solidFill>
@@ -10658,7 +10611,7 @@
                 <a:spcPts val="5319"/>
               </a:lnSpc>
             </a:pPr>
-            <a:endParaRPr lang="en-US" sz="3799">
+            <a:endParaRPr lang="en-US" sz="3799" dirty="0">
               <a:solidFill>
                 <a:srgbClr val="FFFFFF"/>
               </a:solidFill>
@@ -10675,8 +10628,8 @@
         </p:nvGrpSpPr>
         <p:grpSpPr>
           <a:xfrm>
-            <a:off x="0" y="1028700"/>
-            <a:ext cx="18767179" cy="1462088"/>
+            <a:off x="1" y="1028700"/>
+            <a:ext cx="18288000" cy="1462088"/>
             <a:chOff x="0" y="0"/>
             <a:chExt cx="25022905" cy="1949450"/>
           </a:xfrm>
@@ -10953,8 +10906,8 @@
         </p:nvGrpSpPr>
         <p:grpSpPr>
           <a:xfrm>
-            <a:off x="0" y="1028700"/>
-            <a:ext cx="18767179" cy="1462088"/>
+            <a:off x="1" y="1028700"/>
+            <a:ext cx="18288000" cy="1462088"/>
             <a:chOff x="0" y="0"/>
             <a:chExt cx="25022905" cy="1949450"/>
           </a:xfrm>
@@ -12245,7 +12198,7 @@
         </p:nvSpPr>
         <p:spPr>
           <a:xfrm>
-            <a:off x="1324158" y="2243138"/>
+            <a:off x="662078" y="2243137"/>
             <a:ext cx="5785899" cy="5800725"/>
           </a:xfrm>
           <a:prstGeom prst="rect">
@@ -12268,7 +12221,7 @@
                 <a:solidFill>
                   <a:schemeClr val="bg1"/>
                 </a:solidFill>
-                <a:latin typeface="HK Grotesk Semi-Bold"/>
+                <a:latin typeface="HK Grotesk Bold" panose="020B0604020202020204" charset="0"/>
               </a:rPr>
               <a:t>Goals of the project</a:t>
             </a:r>
@@ -12397,7 +12350,7 @@
         </p:nvSpPr>
         <p:spPr>
           <a:xfrm>
-            <a:off x="7645809" y="2177384"/>
+            <a:off x="7959415" y="2705100"/>
             <a:ext cx="8965854" cy="2045007"/>
           </a:xfrm>
           <a:prstGeom prst="rect">
@@ -12474,7 +12427,7 @@
         <p:spPr>
           <a:xfrm>
             <a:off x="1402828" y="2604458"/>
-            <a:ext cx="15482344" cy="9314181"/>
+            <a:ext cx="15482344" cy="9491573"/>
           </a:xfrm>
           <a:prstGeom prst="rect">
             <a:avLst/>
@@ -12492,13 +12445,22 @@
               </a:lnSpc>
             </a:pPr>
             <a:r>
-              <a:rPr lang="en-US" sz="3799" u="sng">
+              <a:rPr lang="en-US" sz="3799" dirty="0">
                 <a:solidFill>
                   <a:srgbClr val="FFFFFF"/>
                 </a:solidFill>
                 <a:latin typeface="HK Grotesk Bold"/>
               </a:rPr>
-              <a:t>Configure the Kernel</a:t>
+              <a:t>Configure the </a:t>
+            </a:r>
+            <a:r>
+              <a:rPr lang="en-US" sz="3799" b="1" dirty="0">
+                <a:solidFill>
+                  <a:srgbClr val="FFFFFF"/>
+                </a:solidFill>
+                <a:latin typeface="HK Grotesk Bold"/>
+              </a:rPr>
+              <a:t>Kernel</a:t>
             </a:r>
           </a:p>
           <a:p>
@@ -12507,7 +12469,7 @@
                 <a:spcPts val="5319"/>
               </a:lnSpc>
             </a:pPr>
-            <a:endParaRPr lang="en-US" sz="3799" u="sng">
+            <a:endParaRPr lang="en-US" sz="3799" u="sng" dirty="0">
               <a:solidFill>
                 <a:srgbClr val="FFFFFF"/>
               </a:solidFill>
@@ -12520,7 +12482,7 @@
                 <a:spcPts val="5319"/>
               </a:lnSpc>
             </a:pPr>
-            <a:endParaRPr lang="en-US" sz="3799" u="sng">
+            <a:endParaRPr lang="en-US" sz="3799" u="sng" dirty="0">
               <a:solidFill>
                 <a:srgbClr val="FFFFFF"/>
               </a:solidFill>
@@ -12533,7 +12495,7 @@
                 <a:spcPts val="5319"/>
               </a:lnSpc>
             </a:pPr>
-            <a:endParaRPr lang="en-US" sz="3799" u="sng">
+            <a:endParaRPr lang="en-US" sz="3799" u="sng" dirty="0">
               <a:solidFill>
                 <a:srgbClr val="FFFFFF"/>
               </a:solidFill>
@@ -12547,7 +12509,7 @@
               </a:lnSpc>
             </a:pPr>
             <a:r>
-              <a:rPr lang="en-US" sz="3799">
+              <a:rPr lang="en-US" sz="3799" dirty="0">
                 <a:solidFill>
                   <a:srgbClr val="FFFFFF"/>
                 </a:solidFill>
@@ -12562,7 +12524,7 @@
                 <a:spcPts val="5319"/>
               </a:lnSpc>
             </a:pPr>
-            <a:endParaRPr lang="en-US" sz="3799">
+            <a:endParaRPr lang="en-US" sz="3799" dirty="0">
               <a:solidFill>
                 <a:srgbClr val="FFFFFF"/>
               </a:solidFill>
@@ -12575,7 +12537,7 @@
                 <a:spcPts val="5319"/>
               </a:lnSpc>
             </a:pPr>
-            <a:endParaRPr lang="en-US" sz="3799">
+            <a:endParaRPr lang="en-US" sz="3799" dirty="0">
               <a:solidFill>
                 <a:srgbClr val="FFFFFF"/>
               </a:solidFill>
@@ -12588,7 +12550,7 @@
                 <a:spcPts val="5319"/>
               </a:lnSpc>
             </a:pPr>
-            <a:endParaRPr lang="en-US" sz="3799">
+            <a:endParaRPr lang="en-US" sz="3799" dirty="0">
               <a:solidFill>
                 <a:srgbClr val="FFFFFF"/>
               </a:solidFill>
@@ -12601,7 +12563,7 @@
                 <a:spcPts val="5319"/>
               </a:lnSpc>
             </a:pPr>
-            <a:endParaRPr lang="en-US" sz="3799">
+            <a:endParaRPr lang="en-US" sz="3799" dirty="0">
               <a:solidFill>
                 <a:srgbClr val="FFFFFF"/>
               </a:solidFill>
@@ -12614,7 +12576,7 @@
                 <a:spcPts val="5319"/>
               </a:lnSpc>
             </a:pPr>
-            <a:endParaRPr lang="en-US" sz="3799">
+            <a:endParaRPr lang="en-US" sz="3799" dirty="0">
               <a:solidFill>
                 <a:srgbClr val="FFFFFF"/>
               </a:solidFill>
@@ -12627,7 +12589,7 @@
                 <a:spcPts val="5319"/>
               </a:lnSpc>
             </a:pPr>
-            <a:endParaRPr lang="en-US" sz="3799">
+            <a:endParaRPr lang="en-US" sz="3799" dirty="0">
               <a:solidFill>
                 <a:srgbClr val="FFFFFF"/>
               </a:solidFill>
@@ -12913,7 +12875,7 @@
         <p:spPr>
           <a:xfrm>
             <a:off x="1642417" y="2414588"/>
-            <a:ext cx="15482344" cy="11314431"/>
+            <a:ext cx="15482344" cy="11530592"/>
           </a:xfrm>
           <a:prstGeom prst="rect">
             <a:avLst/>
@@ -12931,7 +12893,7 @@
               </a:lnSpc>
             </a:pPr>
             <a:r>
-              <a:rPr lang="en-US" sz="3799" u="sng">
+              <a:rPr lang="en-US" sz="3799" dirty="0">
                 <a:solidFill>
                   <a:srgbClr val="FFFFFF"/>
                 </a:solidFill>
@@ -12947,7 +12909,7 @@
               </a:lnSpc>
             </a:pPr>
             <a:r>
-              <a:rPr lang="en-US" sz="3799">
+              <a:rPr lang="en-US" sz="3799" dirty="0">
                 <a:solidFill>
                   <a:srgbClr val="FFFFFF"/>
                 </a:solidFill>
@@ -12962,7 +12924,7 @@
                 <a:spcPts val="5319"/>
               </a:lnSpc>
             </a:pPr>
-            <a:endParaRPr lang="en-US" sz="3799">
+            <a:endParaRPr lang="en-US" sz="3799" dirty="0">
               <a:solidFill>
                 <a:srgbClr val="FFFFFF"/>
               </a:solidFill>
@@ -12975,7 +12937,7 @@
                 <a:spcPts val="5319"/>
               </a:lnSpc>
             </a:pPr>
-            <a:endParaRPr lang="en-US" sz="3799">
+            <a:endParaRPr lang="en-US" sz="3799" dirty="0">
               <a:solidFill>
                 <a:srgbClr val="FFFFFF"/>
               </a:solidFill>
@@ -12989,7 +12951,7 @@
               </a:lnSpc>
             </a:pPr>
             <a:r>
-              <a:rPr lang="en-US" sz="3799">
+              <a:rPr lang="en-US" sz="3799" dirty="0">
                 <a:solidFill>
                   <a:srgbClr val="FFFFFF"/>
                 </a:solidFill>
@@ -13005,7 +12967,7 @@
               </a:lnSpc>
             </a:pPr>
             <a:r>
-              <a:rPr lang="en-US" sz="3799">
+              <a:rPr lang="en-US" sz="3799" dirty="0">
                 <a:solidFill>
                   <a:srgbClr val="FFFFFF"/>
                 </a:solidFill>
@@ -13021,13 +12983,31 @@
               </a:lnSpc>
             </a:pPr>
             <a:r>
-              <a:rPr lang="en-US" sz="3799">
+              <a:rPr lang="en-US" sz="3799" dirty="0">
                 <a:solidFill>
                   <a:srgbClr val="FFFFFF"/>
                 </a:solidFill>
                 <a:latin typeface="HK Grotesk"/>
               </a:rPr>
-              <a:t>Now there will be another configuration command needed, the one for the RootFS. But first, in order to compile it correctly for this lab, you want to create an application and a module.</a:t>
+              <a:t>Now there will be another configuration command needed, the one for the </a:t>
+            </a:r>
+            <a:r>
+              <a:rPr lang="en-US" sz="3799" dirty="0" err="1">
+                <a:solidFill>
+                  <a:srgbClr val="FFFFFF"/>
+                </a:solidFill>
+                <a:latin typeface="HK Grotesk"/>
+              </a:rPr>
+              <a:t>RootFS</a:t>
+            </a:r>
+            <a:r>
+              <a:rPr lang="en-US" sz="3799" dirty="0">
+                <a:solidFill>
+                  <a:srgbClr val="FFFFFF"/>
+                </a:solidFill>
+                <a:latin typeface="HK Grotesk"/>
+              </a:rPr>
+              <a:t>. But first, in order to compile it correctly for this lab, you want to create an application and a module.</a:t>
             </a:r>
           </a:p>
           <a:p>
@@ -13036,7 +13016,7 @@
                 <a:spcPts val="5319"/>
               </a:lnSpc>
             </a:pPr>
-            <a:endParaRPr lang="en-US" sz="3799">
+            <a:endParaRPr lang="en-US" sz="3799" dirty="0">
               <a:solidFill>
                 <a:srgbClr val="FFFFFF"/>
               </a:solidFill>
@@ -13049,7 +13029,7 @@
                 <a:spcPts val="5319"/>
               </a:lnSpc>
             </a:pPr>
-            <a:endParaRPr lang="en-US" sz="3799">
+            <a:endParaRPr lang="en-US" sz="3799" dirty="0">
               <a:solidFill>
                 <a:srgbClr val="FFFFFF"/>
               </a:solidFill>
@@ -13062,7 +13042,7 @@
                 <a:spcPts val="5319"/>
               </a:lnSpc>
             </a:pPr>
-            <a:endParaRPr lang="en-US" sz="3799">
+            <a:endParaRPr lang="en-US" sz="3799" dirty="0">
               <a:solidFill>
                 <a:srgbClr val="FFFFFF"/>
               </a:solidFill>
@@ -13075,7 +13055,7 @@
                 <a:spcPts val="5319"/>
               </a:lnSpc>
             </a:pPr>
-            <a:endParaRPr lang="en-US" sz="3799">
+            <a:endParaRPr lang="en-US" sz="3799" dirty="0">
               <a:solidFill>
                 <a:srgbClr val="FFFFFF"/>
               </a:solidFill>
@@ -13088,7 +13068,7 @@
                 <a:spcPts val="5319"/>
               </a:lnSpc>
             </a:pPr>
-            <a:endParaRPr lang="en-US" sz="3799">
+            <a:endParaRPr lang="en-US" sz="3799" dirty="0">
               <a:solidFill>
                 <a:srgbClr val="FFFFFF"/>
               </a:solidFill>
@@ -13101,7 +13081,7 @@
                 <a:spcPts val="5319"/>
               </a:lnSpc>
             </a:pPr>
-            <a:endParaRPr lang="en-US" sz="3799">
+            <a:endParaRPr lang="en-US" sz="3799" dirty="0">
               <a:solidFill>
                 <a:srgbClr val="FFFFFF"/>
               </a:solidFill>
@@ -13581,14 +13561,14 @@
         <p:spPr>
           <a:xfrm>
             <a:off x="168182" y="2634346"/>
-            <a:ext cx="17906238" cy="1809750"/>
+            <a:ext cx="17906238" cy="1859483"/>
           </a:xfrm>
           <a:prstGeom prst="rect">
             <a:avLst/>
           </a:prstGeom>
         </p:spPr>
         <p:txBody>
-          <a:bodyPr lIns="0" tIns="0" rIns="0" bIns="0" rtlCol="0" anchor="t">
+          <a:bodyPr wrap="square" lIns="0" tIns="0" rIns="0" bIns="0" rtlCol="0" anchor="t">
             <a:spAutoFit/>
           </a:bodyPr>
           <a:lstStyle/>
@@ -13602,11 +13582,11 @@
               </a:spcBef>
             </a:pPr>
             <a:r>
-              <a:rPr lang="en-US" sz="2434" u="none" strike="noStrike">
+              <a:rPr lang="en-US" sz="3230" u="none" strike="noStrike" dirty="0">
                 <a:solidFill>
                   <a:srgbClr val="F6F6F6"/>
                 </a:solidFill>
-                <a:latin typeface="Fira Code Bold"/>
+                <a:latin typeface="HK Grotesk Bold" panose="020B0604020202020204" charset="0"/>
               </a:rPr>
               <a:t>The skeleton of the driver that will contain your custom code can be created by terminal with this command.</a:t>
             </a:r>
@@ -13620,7 +13600,7 @@
                 <a:spcPct val="0"/>
               </a:spcBef>
             </a:pPr>
-            <a:endParaRPr lang="en-US" sz="2434" u="none" strike="noStrike">
+            <a:endParaRPr lang="en-US" sz="2434" u="none" strike="noStrike" dirty="0">
               <a:solidFill>
                 <a:srgbClr val="F6F6F6"/>
               </a:solidFill>
@@ -13637,13 +13617,49 @@
               </a:spcBef>
             </a:pPr>
             <a:r>
-              <a:rPr lang="en-US" sz="2434" u="none" strike="noStrike">
+              <a:rPr lang="en-US" sz="2434" u="none" strike="noStrike" dirty="0">
                 <a:solidFill>
                   <a:srgbClr val="F6F6F6"/>
                 </a:solidFill>
                 <a:latin typeface="Fira Code Bold"/>
               </a:rPr>
-              <a:t> petalinux-create -t modules --name aes-core-driver --enable</a:t>
+              <a:t> </a:t>
+            </a:r>
+            <a:r>
+              <a:rPr lang="en-US" sz="2434" u="none" strike="noStrike" dirty="0" err="1">
+                <a:solidFill>
+                  <a:srgbClr val="F6F6F6"/>
+                </a:solidFill>
+                <a:latin typeface="Fira Code Bold"/>
+              </a:rPr>
+              <a:t>petalinux</a:t>
+            </a:r>
+            <a:r>
+              <a:rPr lang="en-US" sz="2434" u="none" strike="noStrike" dirty="0">
+                <a:solidFill>
+                  <a:srgbClr val="F6F6F6"/>
+                </a:solidFill>
+                <a:latin typeface="Fira Code Bold"/>
+              </a:rPr>
+              <a:t>-create -t modules --name </a:t>
+            </a:r>
+            <a:r>
+              <a:rPr lang="en-US" sz="2434" u="none" strike="noStrike" dirty="0" err="1">
+                <a:solidFill>
+                  <a:srgbClr val="F6F6F6"/>
+                </a:solidFill>
+                <a:latin typeface="Fira Code Bold"/>
+              </a:rPr>
+              <a:t>aes</a:t>
+            </a:r>
+            <a:r>
+              <a:rPr lang="en-US" sz="2434" u="none" strike="noStrike" dirty="0">
+                <a:solidFill>
+                  <a:srgbClr val="F6F6F6"/>
+                </a:solidFill>
+                <a:latin typeface="Fira Code Bold"/>
+              </a:rPr>
+              <a:t>-core-driver --enable</a:t>
             </a:r>
           </a:p>
           <a:p>
@@ -13655,7 +13671,7 @@
                 <a:spcPct val="0"/>
               </a:spcBef>
             </a:pPr>
-            <a:endParaRPr lang="en-US" sz="2434" u="none" strike="noStrike">
+            <a:endParaRPr lang="en-US" sz="2434" u="none" strike="noStrike" dirty="0">
               <a:solidFill>
                 <a:srgbClr val="F6F6F6"/>
               </a:solidFill>
@@ -13824,7 +13840,7 @@
               </a:lnSpc>
             </a:pPr>
             <a:r>
-              <a:rPr lang="en-US" sz="3234">
+              <a:rPr lang="en-US" sz="3234" dirty="0">
                 <a:solidFill>
                   <a:srgbClr val="F6F6F6"/>
                 </a:solidFill>
@@ -13839,7 +13855,7 @@
                 <a:spcPts val="3881"/>
               </a:lnSpc>
             </a:pPr>
-            <a:endParaRPr lang="en-US" sz="3234">
+            <a:endParaRPr lang="en-US" sz="3234" dirty="0">
               <a:solidFill>
                 <a:srgbClr val="F6F6F6"/>
               </a:solidFill>
@@ -13856,14 +13872,65 @@
               </a:spcBef>
             </a:pPr>
             <a:r>
-              <a:rPr lang="en-US" sz="2434">
+              <a:rPr lang="en-US" sz="2434" dirty="0">
                 <a:solidFill>
                   <a:srgbClr val="F6F6F6"/>
                 </a:solidFill>
                 <a:latin typeface="Fira Code Bold"/>
               </a:rPr>
-              <a:t>$(PETAPROJECT)/project-spec/meta-user/recipes-modules/aes-coredriver/files/aes-core-driver.c</a:t>
-            </a:r>
+              <a:t>$(PETAPROJECT)/project-spec/meta-user/recipes-modules/</a:t>
+            </a:r>
+            <a:r>
+              <a:rPr lang="en-US" sz="2434" dirty="0" err="1">
+                <a:solidFill>
+                  <a:srgbClr val="F6F6F6"/>
+                </a:solidFill>
+                <a:latin typeface="Fira Code Bold"/>
+              </a:rPr>
+              <a:t>aes-coredriver</a:t>
+            </a:r>
+            <a:r>
+              <a:rPr lang="en-US" sz="2434" dirty="0">
+                <a:solidFill>
+                  <a:srgbClr val="F6F6F6"/>
+                </a:solidFill>
+                <a:latin typeface="Fira Code Bold"/>
+              </a:rPr>
+              <a:t>/files/</a:t>
+            </a:r>
+            <a:r>
+              <a:rPr lang="en-US" sz="2434" dirty="0" err="1">
+                <a:solidFill>
+                  <a:srgbClr val="F6F6F6"/>
+                </a:solidFill>
+                <a:latin typeface="Fira Code Bold"/>
+              </a:rPr>
+              <a:t>aes</a:t>
+            </a:r>
+            <a:r>
+              <a:rPr lang="en-US" sz="2434" dirty="0">
+                <a:solidFill>
+                  <a:srgbClr val="F6F6F6"/>
+                </a:solidFill>
+                <a:latin typeface="Fira Code Bold"/>
+              </a:rPr>
+              <a:t>-core-</a:t>
+            </a:r>
+            <a:r>
+              <a:rPr lang="en-US" sz="2434" dirty="0" err="1">
+                <a:solidFill>
+                  <a:srgbClr val="F6F6F6"/>
+                </a:solidFill>
+                <a:latin typeface="Fira Code Bold"/>
+              </a:rPr>
+              <a:t>driver.c</a:t>
+            </a:r>
+            <a:endParaRPr lang="en-US" sz="2434" dirty="0">
+              <a:solidFill>
+                <a:srgbClr val="F6F6F6"/>
+              </a:solidFill>
+              <a:latin typeface="Fira Code Bold"/>
+            </a:endParaRPr>
           </a:p>
         </p:txBody>
       </p:sp>
@@ -14963,7 +15030,7 @@
         <p:spPr>
           <a:xfrm>
             <a:off x="4026623" y="1728517"/>
-            <a:ext cx="10972651" cy="866775"/>
+            <a:ext cx="10972651" cy="883768"/>
           </a:xfrm>
           <a:prstGeom prst="rect">
             <a:avLst/>
@@ -14984,9 +15051,9 @@
               </a:spcBef>
             </a:pPr>
             <a:r>
-              <a:rPr lang="en-US" sz="5726">
-                <a:solidFill>
-                  <a:srgbClr val="000000"/>
+              <a:rPr lang="en-US" sz="5726" dirty="0">
+                <a:solidFill>
+                  <a:schemeClr val="bg1"/>
                 </a:solidFill>
                 <a:latin typeface="HK Grotesk Semi-Bold"/>
               </a:rPr>
@@ -15011,65 +15078,12 @@
           </a:prstGeom>
           <a:ln w="38100" cap="flat">
             <a:solidFill>
-              <a:srgbClr val="000000"/>
+              <a:schemeClr val="bg1"/>
             </a:solidFill>
             <a:prstDash val="solid"/>
             <a:headEnd type="none" w="sm" len="sm"/>
             <a:tailEnd type="arrow" w="med" len="sm"/>
           </a:ln>
-        </p:spPr>
-        <p:txBody>
-          <a:bodyPr/>
-          <a:lstStyle/>
-          <a:p>
-            <a:endParaRPr lang="it-IT"/>
-          </a:p>
-        </p:txBody>
-      </p:sp>
-      <p:sp>
-        <p:nvSpPr>
-          <p:cNvPr id="4" name="Freeform 4"/>
-          <p:cNvSpPr/>
-          <p:nvPr/>
-        </p:nvSpPr>
-        <p:spPr>
-          <a:xfrm>
-            <a:off x="4026623" y="5178146"/>
-            <a:ext cx="3247632" cy="2165088"/>
-          </a:xfrm>
-          <a:custGeom>
-            <a:avLst/>
-            <a:gdLst/>
-            <a:ahLst/>
-            <a:cxnLst/>
-            <a:rect l="l" t="t" r="r" b="b"/>
-            <a:pathLst>
-              <a:path w="3247632" h="2165088">
-                <a:moveTo>
-                  <a:pt x="0" y="0"/>
-                </a:moveTo>
-                <a:lnTo>
-                  <a:pt x="3247632" y="0"/>
-                </a:lnTo>
-                <a:lnTo>
-                  <a:pt x="3247632" y="2165088"/>
-                </a:lnTo>
-                <a:lnTo>
-                  <a:pt x="0" y="2165088"/>
-                </a:lnTo>
-                <a:lnTo>
-                  <a:pt x="0" y="0"/>
-                </a:lnTo>
-                <a:close/>
-              </a:path>
-            </a:pathLst>
-          </a:custGeom>
-          <a:blipFill>
-            <a:blip r:embed="rId2"/>
-            <a:stretch>
-              <a:fillRect/>
-            </a:stretch>
-          </a:blipFill>
         </p:spPr>
         <p:txBody>
           <a:bodyPr/>
@@ -15118,7 +15132,7 @@
             </a:pathLst>
           </a:custGeom>
           <a:blipFill>
-            <a:blip r:embed="rId3"/>
+            <a:blip r:embed="rId2"/>
             <a:stretch>
               <a:fillRect/>
             </a:stretch>
@@ -15148,7 +15162,7 @@
           </a:prstGeom>
           <a:ln w="38100" cap="flat">
             <a:solidFill>
-              <a:srgbClr val="000000"/>
+              <a:schemeClr val="bg1"/>
             </a:solidFill>
             <a:prstDash val="solid"/>
             <a:headEnd type="none" w="sm" len="sm"/>
@@ -15177,8 +15191,8 @@
         </p:nvSpPr>
         <p:spPr>
           <a:xfrm>
-            <a:off x="5181600" y="8877300"/>
-            <a:ext cx="14313342" cy="369332"/>
+            <a:off x="820159" y="9401263"/>
+            <a:ext cx="17385577" cy="1015663"/>
           </a:xfrm>
           <a:prstGeom prst="rect">
             <a:avLst/>
@@ -15186,26 +15200,158 @@
           <a:noFill/>
         </p:spPr>
         <p:txBody>
-          <a:bodyPr wrap="none" rtlCol="0">
+          <a:bodyPr wrap="square" rtlCol="0">
             <a:spAutoFit/>
           </a:bodyPr>
           <a:lstStyle/>
           <a:p>
-            <a:r>
-              <a:rPr lang="it-IT" dirty="0"/>
+            <a:pPr algn="r"/>
+            <a:r>
+              <a:rPr lang="it-IT" sz="2000" dirty="0">
+                <a:solidFill>
+                  <a:schemeClr val="bg1"/>
+                </a:solidFill>
+                <a:latin typeface="HK Grotesk" panose="020B0604020202020204" charset="0"/>
+              </a:rPr>
               <a:t>Figure </a:t>
             </a:r>
             <a:r>
-              <a:rPr lang="it-IT" dirty="0" err="1"/>
+              <a:rPr lang="it-IT" sz="2000" dirty="0" err="1">
+                <a:solidFill>
+                  <a:schemeClr val="bg1"/>
+                </a:solidFill>
+                <a:latin typeface="HK Grotesk" panose="020B0604020202020204" charset="0"/>
+              </a:rPr>
               <a:t>taken</a:t>
             </a:r>
             <a:r>
-              <a:rPr lang="it-IT" dirty="0"/>
-              <a:t> from https://www.laseroffice.it/blog/2024/04/22/il-client-ssh-putty-ha-una-brutta-vulnerabilita-che-consente-il-furto-delle-chiavi-private/</a:t>
-            </a:r>
-          </a:p>
-        </p:txBody>
-      </p:sp>
+              <a:rPr lang="it-IT" sz="2000" dirty="0">
+                <a:solidFill>
+                  <a:schemeClr val="bg1"/>
+                </a:solidFill>
+                <a:latin typeface="HK Grotesk" panose="020B0604020202020204" charset="0"/>
+              </a:rPr>
+              <a:t> </a:t>
+            </a:r>
+            <a:r>
+              <a:rPr lang="it-IT" sz="2000" dirty="0">
+                <a:solidFill>
+                  <a:schemeClr val="bg1"/>
+                </a:solidFill>
+                <a:latin typeface="HK Grotesk" panose="020B0604020202020204" charset="0"/>
+                <a:hlinkClick r:id="rId3"/>
+              </a:rPr>
+              <a:t>from https://mir-s3-cdn-cf.behance.net/project_modules/max_1200/53d9ae70251739.5b9d484cde8a2.jpg</a:t>
+            </a:r>
+            <a:endParaRPr lang="it-IT" sz="2000" dirty="0">
+              <a:solidFill>
+                <a:schemeClr val="bg1"/>
+              </a:solidFill>
+              <a:latin typeface="HK Grotesk" panose="020B0604020202020204" charset="0"/>
+            </a:endParaRPr>
+          </a:p>
+          <a:p>
+            <a:r>
+              <a:rPr lang="it-IT" sz="2000" dirty="0">
+                <a:solidFill>
+                  <a:schemeClr val="bg1"/>
+                </a:solidFill>
+                <a:latin typeface="HK Grotesk" panose="020B0604020202020204" charset="0"/>
+              </a:rPr>
+              <a:t>Second figure </a:t>
+            </a:r>
+            <a:r>
+              <a:rPr lang="it-IT" sz="2000" dirty="0" err="1">
+                <a:solidFill>
+                  <a:schemeClr val="bg1"/>
+                </a:solidFill>
+                <a:latin typeface="HK Grotesk" panose="020B0604020202020204" charset="0"/>
+              </a:rPr>
+              <a:t>taken</a:t>
+            </a:r>
+            <a:r>
+              <a:rPr lang="it-IT" sz="2000" dirty="0">
+                <a:solidFill>
+                  <a:schemeClr val="bg1"/>
+                </a:solidFill>
+                <a:latin typeface="HK Grotesk" panose="020B0604020202020204" charset="0"/>
+              </a:rPr>
+              <a:t> from </a:t>
+            </a:r>
+            <a:r>
+              <a:rPr lang="it-IT" sz="2000" dirty="0">
+                <a:solidFill>
+                  <a:schemeClr val="bg1"/>
+                </a:solidFill>
+                <a:latin typeface="HK Grotesk" panose="020B0604020202020204" charset="0"/>
+                <a:hlinkClick r:id="rId4"/>
+              </a:rPr>
+              <a:t>https://d1nxzqpcg2bym0.cloudfront.net/google_play/com.firewall.sshclient/a883ca02-9f9f-11e9-8461-2d7545ccf52c/128x128</a:t>
+            </a:r>
+            <a:endParaRPr lang="it-IT" sz="2000" dirty="0">
+              <a:solidFill>
+                <a:schemeClr val="bg1"/>
+              </a:solidFill>
+              <a:latin typeface="HK Grotesk" panose="020B0604020202020204" charset="0"/>
+            </a:endParaRPr>
+          </a:p>
+          <a:p>
+            <a:endParaRPr lang="it-IT" sz="2000" dirty="0">
+              <a:solidFill>
+                <a:schemeClr val="bg1"/>
+              </a:solidFill>
+              <a:latin typeface="HK Grotesk" panose="020B0604020202020204" charset="0"/>
+            </a:endParaRPr>
+          </a:p>
+        </p:txBody>
+      </p:sp>
+      <p:pic>
+        <p:nvPicPr>
+          <p:cNvPr id="1028" name="Picture 4">
+            <a:extLst>
+              <a:ext uri="{FF2B5EF4-FFF2-40B4-BE49-F238E27FC236}">
+                <a16:creationId xmlns:a16="http://schemas.microsoft.com/office/drawing/2014/main" id="{38C2F97B-D3C4-0DD8-40B1-665EA90541C3}"/>
+              </a:ext>
+            </a:extLst>
+          </p:cNvPr>
+          <p:cNvPicPr>
+            <a:picLocks noChangeAspect="1" noChangeArrowheads="1"/>
+          </p:cNvPicPr>
+          <p:nvPr/>
+        </p:nvPicPr>
+        <p:blipFill>
+          <a:blip r:embed="rId5" cstate="print">
+            <a:extLst>
+              <a:ext uri="{28A0092B-C50C-407E-A947-70E740481C1C}">
+                <a14:useLocalDpi xmlns:a14="http://schemas.microsoft.com/office/drawing/2010/main" val="0"/>
+              </a:ext>
+            </a:extLst>
+          </a:blip>
+          <a:srcRect/>
+          <a:stretch>
+            <a:fillRect/>
+          </a:stretch>
+        </p:blipFill>
+        <p:spPr bwMode="auto">
+          <a:xfrm>
+            <a:off x="4484823" y="5343532"/>
+            <a:ext cx="2076566" cy="2076566"/>
+          </a:xfrm>
+          <a:prstGeom prst="rect">
+            <a:avLst/>
+          </a:prstGeom>
+          <a:noFill/>
+          <a:extLst>
+            <a:ext uri="{909E8E84-426E-40DD-AFC4-6F175D3DCCD1}">
+              <a14:hiddenFill xmlns:a14="http://schemas.microsoft.com/office/drawing/2010/main">
+                <a:solidFill>
+                  <a:srgbClr val="FFFFFF"/>
+                </a:solidFill>
+              </a14:hiddenFill>
+            </a:ext>
+          </a:extLst>
+        </p:spPr>
+      </p:pic>
     </p:spTree>
   </p:cSld>
   <p:clrMapOvr>
@@ -15612,7 +15758,7 @@
         </p:nvSpPr>
         <p:spPr>
           <a:xfrm>
-            <a:off x="13504740" y="7079875"/>
+            <a:off x="13504740" y="6538915"/>
             <a:ext cx="3523923" cy="2178425"/>
           </a:xfrm>
           <a:custGeom>
@@ -15749,6 +15895,94 @@
               </a:rPr>
               <a:t>The main goal of this LAB is to write a crypto-core driver in C language. Now, you can do it from scratch and try to cross-compile this driver for the system that you are building. This is not easy. Fortunately, Petalinux comes to help us. Indeed, in order to cross-compile the driver for the cripto-core easily, we will use the petalinux's recipes and buildtools. </a:t>
             </a:r>
+          </a:p>
+        </p:txBody>
+      </p:sp>
+      <p:sp>
+        <p:nvSpPr>
+          <p:cNvPr id="9" name="CasellaDiTesto 8">
+            <a:extLst>
+              <a:ext uri="{FF2B5EF4-FFF2-40B4-BE49-F238E27FC236}">
+                <a16:creationId xmlns:a16="http://schemas.microsoft.com/office/drawing/2014/main" id="{C2DE87A5-F7D9-EEEA-1D85-BEDA00E0DBFE}"/>
+              </a:ext>
+            </a:extLst>
+          </p:cNvPr>
+          <p:cNvSpPr txBox="1"/>
+          <p:nvPr/>
+        </p:nvSpPr>
+        <p:spPr>
+          <a:xfrm>
+            <a:off x="3693544" y="9271337"/>
+            <a:ext cx="14594456" cy="1015663"/>
+          </a:xfrm>
+          <a:prstGeom prst="rect">
+            <a:avLst/>
+          </a:prstGeom>
+          <a:noFill/>
+        </p:spPr>
+        <p:txBody>
+          <a:bodyPr wrap="square" rtlCol="0">
+            <a:spAutoFit/>
+          </a:bodyPr>
+          <a:lstStyle/>
+          <a:p>
+            <a:pPr algn="r"/>
+            <a:r>
+              <a:rPr lang="en-US" sz="2000" dirty="0">
+                <a:latin typeface="HK Grotesk" panose="020B0604020202020204" charset="0"/>
+              </a:rPr>
+              <a:t>First figure taken from </a:t>
+            </a:r>
+            <a:r>
+              <a:rPr lang="en-US" sz="1800" u="sng" kern="100" dirty="0">
+                <a:solidFill>
+                  <a:srgbClr val="467886"/>
+                </a:solidFill>
+                <a:effectLst/>
+                <a:latin typeface="Aptos" panose="020B0004020202020204" pitchFamily="34" charset="0"/>
+                <a:ea typeface="Aptos" panose="020B0004020202020204" pitchFamily="34" charset="0"/>
+                <a:cs typeface="Times New Roman" panose="02020603050405020304" pitchFamily="18" charset="0"/>
+                <a:hlinkClick r:id="rId6"/>
+              </a:rPr>
+              <a:t>https://www.shutterstock.com/it/image-vector/monitor-coding-vector-icon-programming-illustration-2244063857</a:t>
+            </a:r>
+            <a:endParaRPr lang="en-US" sz="1800" u="sng" kern="100" dirty="0">
+              <a:solidFill>
+                <a:srgbClr val="467886"/>
+              </a:solidFill>
+              <a:effectLst/>
+              <a:latin typeface="Aptos" panose="020B0004020202020204" pitchFamily="34" charset="0"/>
+              <a:ea typeface="Aptos" panose="020B0004020202020204" pitchFamily="34" charset="0"/>
+              <a:cs typeface="Times New Roman" panose="02020603050405020304" pitchFamily="18" charset="0"/>
+            </a:endParaRPr>
+          </a:p>
+          <a:p>
+            <a:pPr algn="r"/>
+            <a:r>
+              <a:rPr lang="en-US" sz="2000" dirty="0">
+                <a:latin typeface="HK Grotesk" panose="020B0604020202020204" charset="0"/>
+              </a:rPr>
+              <a:t>Second figure taken from </a:t>
+            </a:r>
+            <a:r>
+              <a:rPr lang="en-US" sz="1800" kern="100" dirty="0">
+                <a:effectLst/>
+                <a:latin typeface="HK Grotesk" panose="020B0604020202020204" charset="0"/>
+                <a:ea typeface="Aptos" panose="020B0004020202020204" pitchFamily="34" charset="0"/>
+                <a:cs typeface="Times New Roman" panose="02020603050405020304" pitchFamily="18" charset="0"/>
+                <a:hlinkClick r:id="rId7"/>
+              </a:rPr>
+              <a:t>https://www.vecteezy.com/vector-art/6816978-code-icon-coding-symbol-coding-programming-sign</a:t>
+            </a:r>
+            <a:endParaRPr lang="en-US" sz="2000" dirty="0">
+              <a:latin typeface="HK Grotesk" panose="020B0604020202020204" charset="0"/>
+            </a:endParaRPr>
+          </a:p>
+          <a:p>
+            <a:pPr algn="r"/>
+            <a:endParaRPr lang="it-IT" sz="2000" dirty="0">
+              <a:latin typeface="HK Grotesk" panose="020B0604020202020204" charset="0"/>
+            </a:endParaRPr>
           </a:p>
         </p:txBody>
       </p:sp>
@@ -16597,7 +16831,7 @@
         </p:nvSpPr>
         <p:spPr>
           <a:xfrm rot="5400000">
-            <a:off x="12298621" y="2303618"/>
+            <a:off x="12298621" y="2525240"/>
             <a:ext cx="5184155" cy="5236520"/>
           </a:xfrm>
           <a:custGeom>
@@ -16657,7 +16891,7 @@
         <p:spPr>
           <a:xfrm>
             <a:off x="1028700" y="1564271"/>
-            <a:ext cx="10464698" cy="1828800"/>
+            <a:ext cx="10464698" cy="1847429"/>
           </a:xfrm>
           <a:prstGeom prst="rect">
             <a:avLst/>
@@ -16679,7 +16913,7 @@
                 <a:solidFill>
                   <a:srgbClr val="FFFFFF"/>
                 </a:solidFill>
-                <a:latin typeface="HK Grotesk Semi-Bold"/>
+                <a:latin typeface="HK Grotesk Bold" panose="020B0604020202020204" charset="0"/>
               </a:rPr>
               <a:t>First Part: HW Development and Deployment</a:t>
             </a:r>
@@ -16811,6 +17045,92 @@
               </a:rPr>
               <a:t>In the following slides it is reported the workflow to obtain a working Vivado project</a:t>
             </a:r>
+          </a:p>
+        </p:txBody>
+      </p:sp>
+      <p:sp>
+        <p:nvSpPr>
+          <p:cNvPr id="9" name="CasellaDiTesto 8">
+            <a:extLst>
+              <a:ext uri="{FF2B5EF4-FFF2-40B4-BE49-F238E27FC236}">
+                <a16:creationId xmlns:a16="http://schemas.microsoft.com/office/drawing/2014/main" id="{FBA53BB3-488C-C6F4-00EC-82BA0F7EE10B}"/>
+              </a:ext>
+            </a:extLst>
+          </p:cNvPr>
+          <p:cNvSpPr txBox="1"/>
+          <p:nvPr/>
+        </p:nvSpPr>
+        <p:spPr>
+          <a:xfrm>
+            <a:off x="8030801" y="9660326"/>
+            <a:ext cx="10355784" cy="1015663"/>
+          </a:xfrm>
+          <a:prstGeom prst="rect">
+            <a:avLst/>
+          </a:prstGeom>
+          <a:noFill/>
+        </p:spPr>
+        <p:txBody>
+          <a:bodyPr wrap="none" rtlCol="0">
+            <a:spAutoFit/>
+          </a:bodyPr>
+          <a:lstStyle/>
+          <a:p>
+            <a:pPr algn="just"/>
+            <a:r>
+              <a:rPr lang="en-US" sz="2000" dirty="0">
+                <a:latin typeface="HK Grotesk Light" panose="020B0604020202020204" charset="0"/>
+              </a:rPr>
+              <a:t>First figure taken from </a:t>
+            </a:r>
+            <a:r>
+              <a:rPr lang="en-US" sz="1800" kern="100" dirty="0">
+                <a:effectLst/>
+                <a:latin typeface="HK Grotesk Light" panose="020B0604020202020204" charset="0"/>
+                <a:ea typeface="Aptos" panose="020B0004020202020204" pitchFamily="34" charset="0"/>
+                <a:cs typeface="Times New Roman" panose="02020603050405020304" pitchFamily="18" charset="0"/>
+                <a:hlinkClick r:id="rId4"/>
+              </a:rPr>
+              <a:t>https://www.image-search.org/tempimgs/</a:t>
+            </a:r>
+            <a:r>
+              <a:rPr lang="en-US" sz="2000" kern="100" dirty="0">
+                <a:effectLst/>
+                <a:latin typeface="HK Grotesk Light" panose="020B0604020202020204" charset="0"/>
+                <a:ea typeface="Aptos" panose="020B0004020202020204" pitchFamily="34" charset="0"/>
+                <a:cs typeface="Times New Roman" panose="02020603050405020304" pitchFamily="18" charset="0"/>
+                <a:hlinkClick r:id="rId4"/>
+              </a:rPr>
+              <a:t>9704002431717699427</a:t>
+            </a:r>
+            <a:r>
+              <a:rPr lang="en-US" sz="1800" kern="100" dirty="0">
+                <a:effectLst/>
+                <a:latin typeface="HK Grotesk Light" panose="020B0604020202020204" charset="0"/>
+                <a:ea typeface="Aptos" panose="020B0004020202020204" pitchFamily="34" charset="0"/>
+                <a:cs typeface="Times New Roman" panose="02020603050405020304" pitchFamily="18" charset="0"/>
+                <a:hlinkClick r:id="rId4"/>
+              </a:rPr>
+              <a:t>.png</a:t>
+            </a:r>
+            <a:endParaRPr lang="it-IT" sz="1800" kern="100" dirty="0">
+              <a:effectLst/>
+              <a:latin typeface="HK Grotesk Light" panose="020B0604020202020204" charset="0"/>
+              <a:ea typeface="Aptos" panose="020B0004020202020204" pitchFamily="34" charset="0"/>
+              <a:cs typeface="Times New Roman" panose="02020603050405020304" pitchFamily="18" charset="0"/>
+            </a:endParaRPr>
+          </a:p>
+          <a:p>
+            <a:pPr algn="r"/>
+            <a:endParaRPr lang="en-US" sz="2000" dirty="0">
+              <a:latin typeface="HK Grotesk Light" panose="020B0604020202020204" charset="0"/>
+            </a:endParaRPr>
+          </a:p>
+          <a:p>
+            <a:pPr algn="r"/>
+            <a:endParaRPr lang="it-IT" sz="2000" dirty="0">
+              <a:latin typeface="HK Grotesk Light" panose="020B0604020202020204" charset="0"/>
+            </a:endParaRPr>
           </a:p>
         </p:txBody>
       </p:sp>
@@ -17241,7 +17561,7 @@
               </a:spcBef>
             </a:pPr>
             <a:r>
-              <a:rPr lang="en-US" sz="5726">
+              <a:rPr lang="en-US" sz="5726" dirty="0">
                 <a:solidFill>
                   <a:srgbClr val="F6F6F6"/>
                 </a:solidFill>
@@ -17530,7 +17850,7 @@
         <p:spPr>
           <a:xfrm>
             <a:off x="6062959" y="6193628"/>
-            <a:ext cx="11196341" cy="2879726"/>
+            <a:ext cx="11196341" cy="2926891"/>
           </a:xfrm>
           <a:prstGeom prst="rect">
             <a:avLst/>
@@ -17548,13 +17868,13 @@
               </a:lnSpc>
             </a:pPr>
             <a:r>
-              <a:rPr lang="en-US" sz="5499">
+              <a:rPr lang="en-US" sz="5499" dirty="0">
                 <a:solidFill>
                   <a:srgbClr val="121212"/>
                 </a:solidFill>
                 <a:latin typeface="HK Grotesk Bold"/>
               </a:rPr>
-              <a:t>Now It’s up to you to develop a working driver with a c test file to check its functionality</a:t>
+              <a:t>Now it’s up to you to develop a working driver with a c test file to check its functionality</a:t>
             </a:r>
           </a:p>
         </p:txBody>
@@ -17628,8 +17948,8 @@
         </p:nvSpPr>
         <p:spPr>
           <a:xfrm>
-            <a:off x="11068022" y="9743279"/>
-            <a:ext cx="9144000" cy="369332"/>
+            <a:off x="12039600" y="9081559"/>
+            <a:ext cx="7471639" cy="1323439"/>
           </a:xfrm>
           <a:prstGeom prst="rect">
             <a:avLst/>
@@ -17643,23 +17963,57 @@
           <a:lstStyle/>
           <a:p>
             <a:r>
-              <a:rPr lang="it-IT" dirty="0">
+              <a:rPr lang="it-IT" sz="2000" dirty="0" err="1">
                 <a:latin typeface="HK Grotesk" panose="020B0604020202020204" charset="0"/>
               </a:rPr>
-              <a:t>Figure </a:t>
-            </a:r>
-            <a:r>
-              <a:rPr lang="it-IT" dirty="0" err="1">
+              <a:t>Figures</a:t>
+            </a:r>
+            <a:r>
+              <a:rPr lang="it-IT" sz="2000" dirty="0">
                 <a:latin typeface="HK Grotesk" panose="020B0604020202020204" charset="0"/>
               </a:rPr>
-              <a:t>taken</a:t>
-            </a:r>
-            <a:r>
-              <a:rPr lang="it-IT" dirty="0">
+              <a:t> </a:t>
+            </a:r>
+            <a:r>
+              <a:rPr lang="it-IT" sz="2000" dirty="0" err="1">
                 <a:latin typeface="HK Grotesk" panose="020B0604020202020204" charset="0"/>
               </a:rPr>
-              <a:t> from https://www.redbubble.com/people/yanginter1908/</a:t>
-            </a:r>
+              <a:t>modified</a:t>
+            </a:r>
+            <a:r>
+              <a:rPr lang="it-IT" sz="2000" dirty="0">
+                <a:latin typeface="HK Grotesk" panose="020B0604020202020204" charset="0"/>
+              </a:rPr>
+              <a:t> from </a:t>
+            </a:r>
+            <a:r>
+              <a:rPr lang="it-IT" sz="2000" dirty="0">
+                <a:latin typeface="HK Grotesk" panose="020B0604020202020204" charset="0"/>
+                <a:hlinkClick r:id="rId7"/>
+              </a:rPr>
+              <a:t>https://www.image-search.org/tempimgs/842460061717747700.png</a:t>
+            </a:r>
+            <a:r>
+              <a:rPr lang="it-IT" sz="2000" dirty="0">
+                <a:latin typeface="HK Grotesk" panose="020B0604020202020204" charset="0"/>
+              </a:rPr>
+              <a:t> and </a:t>
+            </a:r>
+            <a:r>
+              <a:rPr lang="it-IT" sz="2000" dirty="0">
+                <a:latin typeface="HK Grotesk" panose="020B0604020202020204" charset="0"/>
+                <a:hlinkClick r:id="rId8"/>
+              </a:rPr>
+              <a:t>https://widget-club.com/icons/t/yahoo/pastel_blue</a:t>
+            </a:r>
+            <a:endParaRPr lang="it-IT" sz="2000" dirty="0">
+              <a:latin typeface="HK Grotesk" panose="020B0604020202020204" charset="0"/>
+            </a:endParaRPr>
+          </a:p>
+          <a:p>
+            <a:endParaRPr lang="it-IT" sz="2000" dirty="0">
+              <a:latin typeface="HK Grotesk" panose="020B0604020202020204" charset="0"/>
+            </a:endParaRPr>
           </a:p>
         </p:txBody>
       </p:sp>
@@ -18289,6 +18643,511 @@
 </p:sld>
 </file>
 
+<file path=ppt/slides/slide44.xml><?xml version="1.0" encoding="utf-8"?>
+<p:sld xmlns:a="http://schemas.openxmlformats.org/drawingml/2006/main" xmlns:r="http://schemas.openxmlformats.org/officeDocument/2006/relationships" xmlns:p="http://schemas.openxmlformats.org/presentationml/2006/main">
+  <p:cSld>
+    <p:bg>
+      <p:bgPr>
+        <a:solidFill>
+          <a:srgbClr val="F6F6F6"/>
+        </a:solidFill>
+        <a:effectLst/>
+      </p:bgPr>
+    </p:bg>
+    <p:spTree>
+      <p:nvGrpSpPr>
+        <p:cNvPr id="1" name=""/>
+        <p:cNvGrpSpPr/>
+        <p:nvPr/>
+      </p:nvGrpSpPr>
+      <p:grpSpPr>
+        <a:xfrm>
+          <a:off x="0" y="0"/>
+          <a:ext cx="0" cy="0"/>
+          <a:chOff x="0" y="0"/>
+          <a:chExt cx="0" cy="0"/>
+        </a:xfrm>
+      </p:grpSpPr>
+      <p:grpSp>
+        <p:nvGrpSpPr>
+          <p:cNvPr id="2" name="Group 2"/>
+          <p:cNvGrpSpPr/>
+          <p:nvPr/>
+        </p:nvGrpSpPr>
+        <p:grpSpPr>
+          <a:xfrm>
+            <a:off x="7730815" y="5463181"/>
+            <a:ext cx="228600" cy="228600"/>
+            <a:chOff x="0" y="0"/>
+            <a:chExt cx="6350000" cy="6350000"/>
+          </a:xfrm>
+        </p:grpSpPr>
+        <p:sp>
+          <p:nvSpPr>
+            <p:cNvPr id="3" name="Freeform 3"/>
+            <p:cNvSpPr/>
+            <p:nvPr/>
+          </p:nvSpPr>
+          <p:spPr>
+            <a:xfrm>
+              <a:off x="0" y="0"/>
+              <a:ext cx="6350000" cy="6350000"/>
+            </a:xfrm>
+            <a:custGeom>
+              <a:avLst/>
+              <a:gdLst/>
+              <a:ahLst/>
+              <a:cxnLst/>
+              <a:rect l="l" t="t" r="r" b="b"/>
+              <a:pathLst>
+                <a:path w="6350000" h="6350000">
+                  <a:moveTo>
+                    <a:pt x="3175000" y="0"/>
+                  </a:moveTo>
+                  <a:cubicBezTo>
+                    <a:pt x="1421496" y="0"/>
+                    <a:pt x="0" y="1421496"/>
+                    <a:pt x="0" y="3175000"/>
+                  </a:cubicBezTo>
+                  <a:cubicBezTo>
+                    <a:pt x="0" y="4928504"/>
+                    <a:pt x="1421496" y="6350000"/>
+                    <a:pt x="3175000" y="6350000"/>
+                  </a:cubicBezTo>
+                  <a:cubicBezTo>
+                    <a:pt x="4928504" y="6350000"/>
+                    <a:pt x="6350000" y="4928504"/>
+                    <a:pt x="6350000" y="3175000"/>
+                  </a:cubicBezTo>
+                  <a:cubicBezTo>
+                    <a:pt x="6350000" y="1421496"/>
+                    <a:pt x="4928504" y="0"/>
+                    <a:pt x="3175000" y="0"/>
+                  </a:cubicBezTo>
+                  <a:close/>
+                </a:path>
+              </a:pathLst>
+            </a:custGeom>
+            <a:solidFill>
+              <a:srgbClr val="67DB7D"/>
+            </a:solidFill>
+          </p:spPr>
+          <p:txBody>
+            <a:bodyPr/>
+            <a:lstStyle/>
+            <a:p>
+              <a:endParaRPr lang="it-IT"/>
+            </a:p>
+          </p:txBody>
+        </p:sp>
+      </p:grpSp>
+      <p:grpSp>
+        <p:nvGrpSpPr>
+          <p:cNvPr id="4" name="Group 4"/>
+          <p:cNvGrpSpPr/>
+          <p:nvPr/>
+        </p:nvGrpSpPr>
+        <p:grpSpPr>
+          <a:xfrm>
+            <a:off x="7730815" y="6248067"/>
+            <a:ext cx="228600" cy="228600"/>
+            <a:chOff x="0" y="0"/>
+            <a:chExt cx="6350000" cy="6350000"/>
+          </a:xfrm>
+        </p:grpSpPr>
+        <p:sp>
+          <p:nvSpPr>
+            <p:cNvPr id="5" name="Freeform 5"/>
+            <p:cNvSpPr/>
+            <p:nvPr/>
+          </p:nvSpPr>
+          <p:spPr>
+            <a:xfrm>
+              <a:off x="0" y="0"/>
+              <a:ext cx="6350000" cy="6350000"/>
+            </a:xfrm>
+            <a:custGeom>
+              <a:avLst/>
+              <a:gdLst/>
+              <a:ahLst/>
+              <a:cxnLst/>
+              <a:rect l="l" t="t" r="r" b="b"/>
+              <a:pathLst>
+                <a:path w="6350000" h="6350000">
+                  <a:moveTo>
+                    <a:pt x="3175000" y="0"/>
+                  </a:moveTo>
+                  <a:cubicBezTo>
+                    <a:pt x="1421496" y="0"/>
+                    <a:pt x="0" y="1421496"/>
+                    <a:pt x="0" y="3175000"/>
+                  </a:cubicBezTo>
+                  <a:cubicBezTo>
+                    <a:pt x="0" y="4928504"/>
+                    <a:pt x="1421496" y="6350000"/>
+                    <a:pt x="3175000" y="6350000"/>
+                  </a:cubicBezTo>
+                  <a:cubicBezTo>
+                    <a:pt x="4928504" y="6350000"/>
+                    <a:pt x="6350000" y="4928504"/>
+                    <a:pt x="6350000" y="3175000"/>
+                  </a:cubicBezTo>
+                  <a:cubicBezTo>
+                    <a:pt x="6350000" y="1421496"/>
+                    <a:pt x="4928504" y="0"/>
+                    <a:pt x="3175000" y="0"/>
+                  </a:cubicBezTo>
+                  <a:close/>
+                </a:path>
+              </a:pathLst>
+            </a:custGeom>
+            <a:solidFill>
+              <a:srgbClr val="67DB7D"/>
+            </a:solidFill>
+          </p:spPr>
+          <p:txBody>
+            <a:bodyPr/>
+            <a:lstStyle/>
+            <a:p>
+              <a:endParaRPr lang="it-IT"/>
+            </a:p>
+          </p:txBody>
+        </p:sp>
+      </p:grpSp>
+      <p:grpSp>
+        <p:nvGrpSpPr>
+          <p:cNvPr id="6" name="Group 6"/>
+          <p:cNvGrpSpPr/>
+          <p:nvPr/>
+        </p:nvGrpSpPr>
+        <p:grpSpPr>
+          <a:xfrm>
+            <a:off x="7730815" y="7032953"/>
+            <a:ext cx="228600" cy="228600"/>
+            <a:chOff x="0" y="0"/>
+            <a:chExt cx="6350000" cy="6350000"/>
+          </a:xfrm>
+        </p:grpSpPr>
+        <p:sp>
+          <p:nvSpPr>
+            <p:cNvPr id="7" name="Freeform 7"/>
+            <p:cNvSpPr/>
+            <p:nvPr/>
+          </p:nvSpPr>
+          <p:spPr>
+            <a:xfrm>
+              <a:off x="0" y="0"/>
+              <a:ext cx="6350000" cy="6350000"/>
+            </a:xfrm>
+            <a:custGeom>
+              <a:avLst/>
+              <a:gdLst/>
+              <a:ahLst/>
+              <a:cxnLst/>
+              <a:rect l="l" t="t" r="r" b="b"/>
+              <a:pathLst>
+                <a:path w="6350000" h="6350000">
+                  <a:moveTo>
+                    <a:pt x="3175000" y="0"/>
+                  </a:moveTo>
+                  <a:cubicBezTo>
+                    <a:pt x="1421496" y="0"/>
+                    <a:pt x="0" y="1421496"/>
+                    <a:pt x="0" y="3175000"/>
+                  </a:cubicBezTo>
+                  <a:cubicBezTo>
+                    <a:pt x="0" y="4928504"/>
+                    <a:pt x="1421496" y="6350000"/>
+                    <a:pt x="3175000" y="6350000"/>
+                  </a:cubicBezTo>
+                  <a:cubicBezTo>
+                    <a:pt x="4928504" y="6350000"/>
+                    <a:pt x="6350000" y="4928504"/>
+                    <a:pt x="6350000" y="3175000"/>
+                  </a:cubicBezTo>
+                  <a:cubicBezTo>
+                    <a:pt x="6350000" y="1421496"/>
+                    <a:pt x="4928504" y="0"/>
+                    <a:pt x="3175000" y="0"/>
+                  </a:cubicBezTo>
+                  <a:close/>
+                </a:path>
+              </a:pathLst>
+            </a:custGeom>
+            <a:solidFill>
+              <a:srgbClr val="67DB7D"/>
+            </a:solidFill>
+          </p:spPr>
+          <p:txBody>
+            <a:bodyPr/>
+            <a:lstStyle/>
+            <a:p>
+              <a:endParaRPr lang="it-IT"/>
+            </a:p>
+          </p:txBody>
+        </p:sp>
+      </p:grpSp>
+      <p:grpSp>
+        <p:nvGrpSpPr>
+          <p:cNvPr id="8" name="Group 8"/>
+          <p:cNvGrpSpPr/>
+          <p:nvPr/>
+        </p:nvGrpSpPr>
+        <p:grpSpPr>
+          <a:xfrm>
+            <a:off x="0" y="0"/>
+            <a:ext cx="18288000" cy="10287000"/>
+            <a:chOff x="0" y="0"/>
+            <a:chExt cx="1872607" cy="2709333"/>
+          </a:xfrm>
+        </p:grpSpPr>
+        <p:sp>
+          <p:nvSpPr>
+            <p:cNvPr id="9" name="Freeform 9"/>
+            <p:cNvSpPr/>
+            <p:nvPr/>
+          </p:nvSpPr>
+          <p:spPr>
+            <a:xfrm>
+              <a:off x="0" y="0"/>
+              <a:ext cx="1872607" cy="2709333"/>
+            </a:xfrm>
+            <a:custGeom>
+              <a:avLst/>
+              <a:gdLst/>
+              <a:ahLst/>
+              <a:cxnLst/>
+              <a:rect l="l" t="t" r="r" b="b"/>
+              <a:pathLst>
+                <a:path w="1872607" h="2709333">
+                  <a:moveTo>
+                    <a:pt x="0" y="0"/>
+                  </a:moveTo>
+                  <a:lnTo>
+                    <a:pt x="1872607" y="0"/>
+                  </a:lnTo>
+                  <a:lnTo>
+                    <a:pt x="1872607" y="2709333"/>
+                  </a:lnTo>
+                  <a:lnTo>
+                    <a:pt x="0" y="2709333"/>
+                  </a:lnTo>
+                  <a:close/>
+                </a:path>
+              </a:pathLst>
+            </a:custGeom>
+            <a:solidFill>
+              <a:srgbClr val="67DB7D"/>
+            </a:solidFill>
+          </p:spPr>
+          <p:txBody>
+            <a:bodyPr/>
+            <a:lstStyle/>
+            <a:p>
+              <a:endParaRPr lang="it-IT" dirty="0"/>
+            </a:p>
+          </p:txBody>
+        </p:sp>
+        <p:sp>
+          <p:nvSpPr>
+            <p:cNvPr id="10" name="TextBox 10"/>
+            <p:cNvSpPr txBox="1"/>
+            <p:nvPr/>
+          </p:nvSpPr>
+          <p:spPr>
+            <a:xfrm>
+              <a:off x="0" y="-47625"/>
+              <a:ext cx="1872607" cy="2756958"/>
+            </a:xfrm>
+            <a:prstGeom prst="rect">
+              <a:avLst/>
+            </a:prstGeom>
+          </p:spPr>
+          <p:txBody>
+            <a:bodyPr lIns="50800" tIns="50800" rIns="50800" bIns="50800" rtlCol="0" anchor="ctr"/>
+            <a:lstStyle/>
+            <a:p>
+              <a:pPr algn="ctr">
+                <a:lnSpc>
+                  <a:spcPts val="2940"/>
+                </a:lnSpc>
+              </a:pPr>
+              <a:endParaRPr/>
+            </a:p>
+          </p:txBody>
+        </p:sp>
+      </p:grpSp>
+      <p:sp>
+        <p:nvSpPr>
+          <p:cNvPr id="11" name="TextBox 11"/>
+          <p:cNvSpPr txBox="1"/>
+          <p:nvPr/>
+        </p:nvSpPr>
+        <p:spPr>
+          <a:xfrm>
+            <a:off x="4912743" y="2644589"/>
+            <a:ext cx="13411200" cy="5637184"/>
+          </a:xfrm>
+          <a:prstGeom prst="rect">
+            <a:avLst/>
+          </a:prstGeom>
+        </p:spPr>
+        <p:txBody>
+          <a:bodyPr wrap="square" lIns="0" tIns="0" rIns="0" bIns="0" rtlCol="0" anchor="t">
+            <a:spAutoFit/>
+          </a:bodyPr>
+          <a:lstStyle/>
+          <a:p>
+            <a:pPr>
+              <a:lnSpc>
+                <a:spcPts val="15239"/>
+              </a:lnSpc>
+            </a:pPr>
+            <a:r>
+              <a:rPr lang="en-US" sz="7200" dirty="0">
+                <a:solidFill>
+                  <a:schemeClr val="bg1"/>
+                </a:solidFill>
+                <a:latin typeface="HK Grotesk Bold" panose="020B0604020202020204" charset="0"/>
+              </a:rPr>
+              <a:t>This work is licensed under a Creative Commons Attribution 4.0 International License</a:t>
+            </a:r>
+          </a:p>
+        </p:txBody>
+      </p:sp>
+      <p:sp>
+        <p:nvSpPr>
+          <p:cNvPr id="12" name="CasellaDiTesto 11">
+            <a:extLst>
+              <a:ext uri="{FF2B5EF4-FFF2-40B4-BE49-F238E27FC236}">
+                <a16:creationId xmlns:a16="http://schemas.microsoft.com/office/drawing/2014/main" id="{A7B6E7B6-7919-7465-A8B9-421AADAE5D47}"/>
+              </a:ext>
+            </a:extLst>
+          </p:cNvPr>
+          <p:cNvSpPr txBox="1"/>
+          <p:nvPr/>
+        </p:nvSpPr>
+        <p:spPr>
+          <a:xfrm>
+            <a:off x="11125200" y="9640013"/>
+            <a:ext cx="10134600" cy="707886"/>
+          </a:xfrm>
+          <a:prstGeom prst="rect">
+            <a:avLst/>
+          </a:prstGeom>
+          <a:noFill/>
+        </p:spPr>
+        <p:txBody>
+          <a:bodyPr wrap="square">
+            <a:spAutoFit/>
+          </a:bodyPr>
+          <a:lstStyle/>
+          <a:p>
+            <a:r>
+              <a:rPr lang="it-IT" sz="2000" dirty="0">
+                <a:solidFill>
+                  <a:schemeClr val="bg1"/>
+                </a:solidFill>
+                <a:latin typeface="HK Grotesk Bold" panose="020B0604020202020204" charset="0"/>
+                <a:hlinkClick r:id="rId2"/>
+              </a:rPr>
+              <a:t>https://creativecommons.org/licenses/by-nd/4.0/legalcode</a:t>
+            </a:r>
+            <a:endParaRPr lang="it-IT" sz="2000" dirty="0">
+              <a:solidFill>
+                <a:schemeClr val="bg1"/>
+              </a:solidFill>
+              <a:latin typeface="HK Grotesk Bold" panose="020B0604020202020204" charset="0"/>
+            </a:endParaRPr>
+          </a:p>
+          <a:p>
+            <a:endParaRPr lang="it-IT" sz="2000" dirty="0">
+              <a:solidFill>
+                <a:schemeClr val="bg1"/>
+              </a:solidFill>
+              <a:latin typeface="HK Grotesk Bold" panose="020B0604020202020204" charset="0"/>
+            </a:endParaRPr>
+          </a:p>
+        </p:txBody>
+      </p:sp>
+      <p:pic>
+        <p:nvPicPr>
+          <p:cNvPr id="15" name="Immagine 14">
+            <a:extLst>
+              <a:ext uri="{FF2B5EF4-FFF2-40B4-BE49-F238E27FC236}">
+                <a16:creationId xmlns:a16="http://schemas.microsoft.com/office/drawing/2014/main" id="{ABA855EB-D2F9-9C35-AE7A-45FEC4545E28}"/>
+              </a:ext>
+            </a:extLst>
+          </p:cNvPr>
+          <p:cNvPicPr>
+            <a:picLocks noChangeAspect="1"/>
+          </p:cNvPicPr>
+          <p:nvPr/>
+        </p:nvPicPr>
+        <p:blipFill>
+          <a:blip r:embed="rId3"/>
+          <a:stretch>
+            <a:fillRect/>
+          </a:stretch>
+        </p:blipFill>
+        <p:spPr>
+          <a:xfrm>
+            <a:off x="12941475" y="0"/>
+            <a:ext cx="5346524" cy="1790463"/>
+          </a:xfrm>
+          <a:prstGeom prst="rect">
+            <a:avLst/>
+          </a:prstGeom>
+        </p:spPr>
+      </p:pic>
+      <p:pic>
+        <p:nvPicPr>
+          <p:cNvPr id="17" name="Immagine 16" descr="Immagine che contiene schermata, Elementi grafici, cerchio, Policromia&#10;&#10;Descrizione generata automaticamente">
+            <a:extLst>
+              <a:ext uri="{FF2B5EF4-FFF2-40B4-BE49-F238E27FC236}">
+                <a16:creationId xmlns:a16="http://schemas.microsoft.com/office/drawing/2014/main" id="{711AF655-CAB6-2540-2BAD-B6D81A086253}"/>
+              </a:ext>
+            </a:extLst>
+          </p:cNvPr>
+          <p:cNvPicPr>
+            <a:picLocks noChangeAspect="1"/>
+          </p:cNvPicPr>
+          <p:nvPr/>
+        </p:nvPicPr>
+        <p:blipFill rotWithShape="1">
+          <a:blip r:embed="rId4">
+            <a:extLst>
+              <a:ext uri="{28A0092B-C50C-407E-A947-70E740481C1C}">
+                <a14:useLocalDpi xmlns:a14="http://schemas.microsoft.com/office/drawing/2010/main" val="0"/>
+              </a:ext>
+            </a:extLst>
+          </a:blip>
+          <a:srcRect l="48978"/>
+          <a:stretch/>
+        </p:blipFill>
+        <p:spPr>
+          <a:xfrm>
+            <a:off x="-35944" y="-342900"/>
+            <a:ext cx="5598543" cy="10972800"/>
+          </a:xfrm>
+          <a:prstGeom prst="rect">
+            <a:avLst/>
+          </a:prstGeom>
+        </p:spPr>
+      </p:pic>
+    </p:spTree>
+    <p:extLst>
+      <p:ext uri="{BB962C8B-B14F-4D97-AF65-F5344CB8AC3E}">
+        <p14:creationId xmlns:p14="http://schemas.microsoft.com/office/powerpoint/2010/main" val="3694992734"/>
+      </p:ext>
+    </p:extLst>
+  </p:cSld>
+  <p:clrMapOvr>
+    <a:masterClrMapping/>
+  </p:clrMapOvr>
+</p:sld>
+</file>
+
 <file path=ppt/slides/slide5.xml><?xml version="1.0" encoding="utf-8"?>
 <p:sld xmlns:a="http://schemas.openxmlformats.org/drawingml/2006/main" xmlns:r="http://schemas.openxmlformats.org/officeDocument/2006/relationships" xmlns:p="http://schemas.openxmlformats.org/presentationml/2006/main">
   <p:cSld>
@@ -18407,7 +19266,7 @@
         </p:nvSpPr>
         <p:spPr>
           <a:xfrm>
-            <a:off x="12479479" y="1162903"/>
+            <a:off x="12475568" y="523702"/>
             <a:ext cx="4318729" cy="2710002"/>
           </a:xfrm>
           <a:custGeom>
@@ -18466,7 +19325,7 @@
         </p:nvSpPr>
         <p:spPr>
           <a:xfrm>
-            <a:off x="13159740" y="4809832"/>
+            <a:off x="13144500" y="3847253"/>
             <a:ext cx="4114800" cy="4114800"/>
           </a:xfrm>
           <a:custGeom>
@@ -18940,8 +19799,8 @@
         </p:nvSpPr>
         <p:spPr>
           <a:xfrm>
-            <a:off x="10440370" y="9433291"/>
-            <a:ext cx="7766933" cy="707886"/>
+            <a:off x="10440370" y="9366887"/>
+            <a:ext cx="7795596" cy="1015663"/>
           </a:xfrm>
           <a:prstGeom prst="rect">
             <a:avLst/>
@@ -18949,18 +19808,46 @@
           <a:noFill/>
         </p:spPr>
         <p:txBody>
-          <a:bodyPr wrap="none" rtlCol="0">
+          <a:bodyPr wrap="square" rtlCol="0">
             <a:spAutoFit/>
           </a:bodyPr>
           <a:lstStyle/>
           <a:p>
-            <a:pPr algn="r"/>
+            <a:pPr algn="just"/>
             <a:r>
               <a:rPr lang="en-US" sz="2000" dirty="0">
                 <a:latin typeface="HK Grotesk" panose="020B0604020202020204" charset="0"/>
               </a:rPr>
-              <a:t>First figure taken from https://emoji.gg/emoji/6031-downloadcloud</a:t>
-            </a:r>
+              <a:t>First figure taken from </a:t>
+            </a:r>
+            <a:r>
+              <a:rPr lang="en-US" sz="2000" dirty="0">
+                <a:latin typeface="HK Grotesk" panose="020B0604020202020204" charset="0"/>
+                <a:hlinkClick r:id="rId6"/>
+              </a:rPr>
+              <a:t>https://emoji.gg/emoji/6031-downloadcloud</a:t>
+            </a:r>
+            <a:endParaRPr lang="en-US" sz="2000" dirty="0">
+              <a:latin typeface="HK Grotesk" panose="020B0604020202020204" charset="0"/>
+            </a:endParaRPr>
+          </a:p>
+          <a:p>
+            <a:r>
+              <a:rPr lang="en-US" sz="2000" dirty="0">
+                <a:latin typeface="HK Grotesk" panose="020B0604020202020204" charset="0"/>
+              </a:rPr>
+              <a:t>Second figure taken from </a:t>
+            </a:r>
+            <a:r>
+              <a:rPr lang="en-US" sz="2000" dirty="0">
+                <a:latin typeface="HK Grotesk" panose="020B0604020202020204" charset="0"/>
+                <a:hlinkClick r:id="rId7"/>
+              </a:rPr>
+              <a:t>https://www.svgrepo.com/svg/55693/idea</a:t>
+            </a:r>
+            <a:endParaRPr lang="en-US" sz="2000" dirty="0">
+              <a:latin typeface="HK Grotesk" panose="020B0604020202020204" charset="0"/>
+            </a:endParaRPr>
           </a:p>
           <a:p>
             <a:pPr algn="r"/>
@@ -19058,7 +19945,7 @@
               </a:lnSpc>
             </a:pPr>
             <a:r>
-              <a:rPr lang="en-US" sz="5726">
+              <a:rPr lang="en-US" sz="5726" dirty="0">
                 <a:solidFill>
                   <a:srgbClr val="FFFFFF"/>
                 </a:solidFill>
